--- a/G3_36,39,28,09.pptx
+++ b/G3_36,39,28,09.pptx
@@ -9,7 +9,7 @@
     <p:sldMasterId id="2147483913" r:id="rId5"/>
   </p:sldMasterIdLst>
   <p:notesMasterIdLst>
-    <p:notesMasterId r:id="rId20"/>
+    <p:notesMasterId r:id="rId22"/>
   </p:notesMasterIdLst>
   <p:sldIdLst>
     <p:sldId id="666" r:id="rId6"/>
@@ -23,9 +23,11 @@
     <p:sldId id="678" r:id="rId14"/>
     <p:sldId id="679" r:id="rId15"/>
     <p:sldId id="680" r:id="rId16"/>
-    <p:sldId id="676" r:id="rId17"/>
-    <p:sldId id="667" r:id="rId18"/>
-    <p:sldId id="677" r:id="rId19"/>
+    <p:sldId id="681" r:id="rId17"/>
+    <p:sldId id="682" r:id="rId18"/>
+    <p:sldId id="676" r:id="rId19"/>
+    <p:sldId id="667" r:id="rId20"/>
+    <p:sldId id="677" r:id="rId21"/>
   </p:sldIdLst>
   <p:sldSz cx="9144000" cy="6858000" type="screen4x3"/>
   <p:notesSz cx="6858000" cy="9144000"/>
@@ -2441,10 +2443,10 @@
         <a:lstStyle/>
         <a:p>
           <a:r>
-            <a:rPr lang="en-IN"/>
+            <a:rPr lang="en-IN" dirty="0"/>
             <a:t>Admin</a:t>
           </a:r>
-          <a:endParaRPr lang="en-US"/>
+          <a:endParaRPr lang="en-US" dirty="0"/>
         </a:p>
       </dgm:t>
     </dgm:pt>
@@ -2553,7 +2555,7 @@
         <a:p>
           <a:r>
             <a:rPr lang="en-IN" dirty="0"/>
-            <a:t>Add Players</a:t>
+            <a:t>Invite Players</a:t>
           </a:r>
           <a:endParaRPr lang="en-US" dirty="0"/>
         </a:p>
@@ -2766,6 +2768,191 @@
         </a:p>
       </dgm:t>
     </dgm:pt>
+    <dgm:pt modelId="{0A453A14-AD1B-4F5D-B0A0-647FB464D447}">
+      <dgm:prSet phldrT="[Text]"/>
+      <dgm:spPr/>
+      <dgm:t>
+        <a:bodyPr/>
+        <a:lstStyle/>
+        <a:p>
+          <a:r>
+            <a:rPr lang="en-IN" dirty="0"/>
+            <a:t>Edit Tournament Details</a:t>
+          </a:r>
+          <a:endParaRPr lang="en-US" dirty="0"/>
+        </a:p>
+      </dgm:t>
+    </dgm:pt>
+    <dgm:pt modelId="{DE6E5C00-AA84-4558-92FF-CC868ED9D416}" type="parTrans" cxnId="{3ED1F80B-62DF-4C00-92D6-B70619204056}">
+      <dgm:prSet/>
+      <dgm:spPr/>
+      <dgm:t>
+        <a:bodyPr/>
+        <a:lstStyle/>
+        <a:p>
+          <a:endParaRPr lang="en-US"/>
+        </a:p>
+      </dgm:t>
+    </dgm:pt>
+    <dgm:pt modelId="{F42BB643-B08D-4013-A4AB-E05EB89F2CC3}" type="sibTrans" cxnId="{3ED1F80B-62DF-4C00-92D6-B70619204056}">
+      <dgm:prSet/>
+      <dgm:spPr/>
+      <dgm:t>
+        <a:bodyPr/>
+        <a:lstStyle/>
+        <a:p>
+          <a:endParaRPr lang="en-US"/>
+        </a:p>
+      </dgm:t>
+    </dgm:pt>
+    <dgm:pt modelId="{FDADE170-F128-41B6-BFAD-C27297A7EDA2}">
+      <dgm:prSet phldrT="[Text]"/>
+      <dgm:spPr/>
+      <dgm:t>
+        <a:bodyPr/>
+        <a:lstStyle/>
+        <a:p>
+          <a:r>
+            <a:rPr lang="en-IN" dirty="0"/>
+            <a:t>Verify Player Details</a:t>
+          </a:r>
+          <a:endParaRPr lang="en-US" dirty="0"/>
+        </a:p>
+      </dgm:t>
+    </dgm:pt>
+    <dgm:pt modelId="{50EB138E-1C6C-4C59-9406-8FE502A67834}" type="parTrans" cxnId="{3BA58C6C-7640-468D-87F7-EDAE7B0660BA}">
+      <dgm:prSet/>
+      <dgm:spPr/>
+      <dgm:t>
+        <a:bodyPr/>
+        <a:lstStyle/>
+        <a:p>
+          <a:endParaRPr lang="en-US"/>
+        </a:p>
+      </dgm:t>
+    </dgm:pt>
+    <dgm:pt modelId="{97437822-465C-4DCE-AD27-FFDA6395B86C}" type="sibTrans" cxnId="{3BA58C6C-7640-468D-87F7-EDAE7B0660BA}">
+      <dgm:prSet/>
+      <dgm:spPr/>
+      <dgm:t>
+        <a:bodyPr/>
+        <a:lstStyle/>
+        <a:p>
+          <a:endParaRPr lang="en-US"/>
+        </a:p>
+      </dgm:t>
+    </dgm:pt>
+    <dgm:pt modelId="{C704EAC5-B8F2-4B5D-9C4A-9138D84D7434}">
+      <dgm:prSet phldrT="[Text]"/>
+      <dgm:spPr/>
+      <dgm:t>
+        <a:bodyPr/>
+        <a:lstStyle/>
+        <a:p>
+          <a:r>
+            <a:rPr lang="en-IN" dirty="0"/>
+            <a:t>Player</a:t>
+          </a:r>
+          <a:endParaRPr lang="en-US" dirty="0"/>
+        </a:p>
+      </dgm:t>
+    </dgm:pt>
+    <dgm:pt modelId="{E2C64C25-6F69-4126-8640-53A1180D200A}" type="parTrans" cxnId="{AF72B6CE-AA8B-4F66-9BDC-B0EE84D082FD}">
+      <dgm:prSet/>
+      <dgm:spPr/>
+      <dgm:t>
+        <a:bodyPr/>
+        <a:lstStyle/>
+        <a:p>
+          <a:endParaRPr lang="en-US"/>
+        </a:p>
+      </dgm:t>
+    </dgm:pt>
+    <dgm:pt modelId="{2E745D89-ECA7-43F9-93F9-4C31F75F4461}" type="sibTrans" cxnId="{AF72B6CE-AA8B-4F66-9BDC-B0EE84D082FD}">
+      <dgm:prSet/>
+      <dgm:spPr/>
+      <dgm:t>
+        <a:bodyPr/>
+        <a:lstStyle/>
+        <a:p>
+          <a:endParaRPr lang="en-US"/>
+        </a:p>
+      </dgm:t>
+    </dgm:pt>
+    <dgm:pt modelId="{729A4C71-D6CC-4879-A3B0-F8F8C2A4EBFD}">
+      <dgm:prSet phldrT="[Text]"/>
+      <dgm:spPr/>
+      <dgm:t>
+        <a:bodyPr/>
+        <a:lstStyle/>
+        <a:p>
+          <a:r>
+            <a:rPr lang="en-IN" dirty="0"/>
+            <a:t>View Match Details</a:t>
+          </a:r>
+          <a:endParaRPr lang="en-US" dirty="0"/>
+        </a:p>
+      </dgm:t>
+    </dgm:pt>
+    <dgm:pt modelId="{25836D3B-E9C3-4599-9117-99ECF3C039B6}" type="parTrans" cxnId="{A1BD42CD-B118-48C9-9136-4181BD73D2F4}">
+      <dgm:prSet/>
+      <dgm:spPr/>
+      <dgm:t>
+        <a:bodyPr/>
+        <a:lstStyle/>
+        <a:p>
+          <a:endParaRPr lang="en-US"/>
+        </a:p>
+      </dgm:t>
+    </dgm:pt>
+    <dgm:pt modelId="{3719AF55-B0A2-483B-AD41-235B1B8D284E}" type="sibTrans" cxnId="{A1BD42CD-B118-48C9-9136-4181BD73D2F4}">
+      <dgm:prSet/>
+      <dgm:spPr/>
+      <dgm:t>
+        <a:bodyPr/>
+        <a:lstStyle/>
+        <a:p>
+          <a:endParaRPr lang="en-US"/>
+        </a:p>
+      </dgm:t>
+    </dgm:pt>
+    <dgm:pt modelId="{E2541F2D-8787-4D71-B3EC-8046AC7E598D}">
+      <dgm:prSet phldrT="[Text]"/>
+      <dgm:spPr/>
+      <dgm:t>
+        <a:bodyPr/>
+        <a:lstStyle/>
+        <a:p>
+          <a:r>
+            <a:rPr lang="en-IN" dirty="0"/>
+            <a:t>View Lifetime Stats</a:t>
+          </a:r>
+          <a:endParaRPr lang="en-US" dirty="0"/>
+        </a:p>
+      </dgm:t>
+    </dgm:pt>
+    <dgm:pt modelId="{36D72E39-55D4-4600-AF42-8BB02116522B}" type="parTrans" cxnId="{B74AD745-C6A4-40B3-84FE-7D7BA8E38C36}">
+      <dgm:prSet/>
+      <dgm:spPr/>
+      <dgm:t>
+        <a:bodyPr/>
+        <a:lstStyle/>
+        <a:p>
+          <a:endParaRPr lang="en-US"/>
+        </a:p>
+      </dgm:t>
+    </dgm:pt>
+    <dgm:pt modelId="{CF13AD4B-CFC8-4E33-8A60-736605ECCAED}" type="sibTrans" cxnId="{B74AD745-C6A4-40B3-84FE-7D7BA8E38C36}">
+      <dgm:prSet/>
+      <dgm:spPr/>
+      <dgm:t>
+        <a:bodyPr/>
+        <a:lstStyle/>
+        <a:p>
+          <a:endParaRPr lang="en-US"/>
+        </a:p>
+      </dgm:t>
+    </dgm:pt>
     <dgm:pt modelId="{A35721CB-AF1C-4782-BEEF-0EABA65E75D5}" type="pres">
       <dgm:prSet presAssocID="{EF4DE4F3-87A5-4A6B-8907-2F89BB868914}" presName="linear" presStyleCnt="0">
         <dgm:presLayoutVars>
@@ -2781,11 +2968,11 @@
       <dgm:spPr/>
     </dgm:pt>
     <dgm:pt modelId="{75CCEB1F-0811-4537-84F3-6D61DF9543C1}" type="pres">
-      <dgm:prSet presAssocID="{38063777-6FC0-41E6-9585-F67C4B0DAEAC}" presName="parentLeftMargin" presStyleLbl="node1" presStyleIdx="0" presStyleCnt="3"/>
+      <dgm:prSet presAssocID="{38063777-6FC0-41E6-9585-F67C4B0DAEAC}" presName="parentLeftMargin" presStyleLbl="node1" presStyleIdx="0" presStyleCnt="4"/>
       <dgm:spPr/>
     </dgm:pt>
     <dgm:pt modelId="{319D8119-6CF4-44CB-B087-4DDCFD91D553}" type="pres">
-      <dgm:prSet presAssocID="{38063777-6FC0-41E6-9585-F67C4B0DAEAC}" presName="parentText" presStyleLbl="node1" presStyleIdx="0" presStyleCnt="3">
+      <dgm:prSet presAssocID="{38063777-6FC0-41E6-9585-F67C4B0DAEAC}" presName="parentText" presStyleLbl="node1" presStyleIdx="0" presStyleCnt="4">
         <dgm:presLayoutVars>
           <dgm:chMax val="0"/>
           <dgm:bulletEnabled val="1"/>
@@ -2798,7 +2985,7 @@
       <dgm:spPr/>
     </dgm:pt>
     <dgm:pt modelId="{F877A8D8-7DAC-447C-945E-401BFED1061A}" type="pres">
-      <dgm:prSet presAssocID="{38063777-6FC0-41E6-9585-F67C4B0DAEAC}" presName="childText" presStyleLbl="conFgAcc1" presStyleIdx="0" presStyleCnt="3">
+      <dgm:prSet presAssocID="{38063777-6FC0-41E6-9585-F67C4B0DAEAC}" presName="childText" presStyleLbl="conFgAcc1" presStyleIdx="0" presStyleCnt="4">
         <dgm:presLayoutVars>
           <dgm:bulletEnabled val="1"/>
         </dgm:presLayoutVars>
@@ -2814,11 +3001,11 @@
       <dgm:spPr/>
     </dgm:pt>
     <dgm:pt modelId="{ED0C7F49-A129-4329-B544-B7F22ED6DD66}" type="pres">
-      <dgm:prSet presAssocID="{E50E505A-AC94-4A01-AB04-3C1B367E4AEF}" presName="parentLeftMargin" presStyleLbl="node1" presStyleIdx="0" presStyleCnt="3"/>
+      <dgm:prSet presAssocID="{E50E505A-AC94-4A01-AB04-3C1B367E4AEF}" presName="parentLeftMargin" presStyleLbl="node1" presStyleIdx="0" presStyleCnt="4"/>
       <dgm:spPr/>
     </dgm:pt>
     <dgm:pt modelId="{9E8443CA-0F6B-4342-9DF5-CBBB83BC424B}" type="pres">
-      <dgm:prSet presAssocID="{E50E505A-AC94-4A01-AB04-3C1B367E4AEF}" presName="parentText" presStyleLbl="node1" presStyleIdx="1" presStyleCnt="3">
+      <dgm:prSet presAssocID="{E50E505A-AC94-4A01-AB04-3C1B367E4AEF}" presName="parentText" presStyleLbl="node1" presStyleIdx="1" presStyleCnt="4">
         <dgm:presLayoutVars>
           <dgm:chMax val="0"/>
           <dgm:bulletEnabled val="1"/>
@@ -2831,7 +3018,7 @@
       <dgm:spPr/>
     </dgm:pt>
     <dgm:pt modelId="{64932033-C8B0-44E1-A765-9686DB65C0BF}" type="pres">
-      <dgm:prSet presAssocID="{E50E505A-AC94-4A01-AB04-3C1B367E4AEF}" presName="childText" presStyleLbl="conFgAcc1" presStyleIdx="1" presStyleCnt="3">
+      <dgm:prSet presAssocID="{E50E505A-AC94-4A01-AB04-3C1B367E4AEF}" presName="childText" presStyleLbl="conFgAcc1" presStyleIdx="1" presStyleCnt="4">
         <dgm:presLayoutVars>
           <dgm:bulletEnabled val="1"/>
         </dgm:presLayoutVars>
@@ -2847,11 +3034,11 @@
       <dgm:spPr/>
     </dgm:pt>
     <dgm:pt modelId="{C7734247-D771-4292-8712-A6F4426ECBBA}" type="pres">
-      <dgm:prSet presAssocID="{92E13372-DA0C-44A2-AB59-339E73D36842}" presName="parentLeftMargin" presStyleLbl="node1" presStyleIdx="1" presStyleCnt="3"/>
+      <dgm:prSet presAssocID="{92E13372-DA0C-44A2-AB59-339E73D36842}" presName="parentLeftMargin" presStyleLbl="node1" presStyleIdx="1" presStyleCnt="4"/>
       <dgm:spPr/>
     </dgm:pt>
     <dgm:pt modelId="{A11631EA-CC65-4AC1-A25D-B7C5B7DA54C3}" type="pres">
-      <dgm:prSet presAssocID="{92E13372-DA0C-44A2-AB59-339E73D36842}" presName="parentText" presStyleLbl="node1" presStyleIdx="2" presStyleCnt="3">
+      <dgm:prSet presAssocID="{92E13372-DA0C-44A2-AB59-339E73D36842}" presName="parentText" presStyleLbl="node1" presStyleIdx="2" presStyleCnt="4">
         <dgm:presLayoutVars>
           <dgm:chMax val="0"/>
           <dgm:bulletEnabled val="1"/>
@@ -2864,7 +3051,40 @@
       <dgm:spPr/>
     </dgm:pt>
     <dgm:pt modelId="{3DD09C45-3ACE-4EBD-A28F-F130839C72E5}" type="pres">
-      <dgm:prSet presAssocID="{92E13372-DA0C-44A2-AB59-339E73D36842}" presName="childText" presStyleLbl="conFgAcc1" presStyleIdx="2" presStyleCnt="3">
+      <dgm:prSet presAssocID="{92E13372-DA0C-44A2-AB59-339E73D36842}" presName="childText" presStyleLbl="conFgAcc1" presStyleIdx="2" presStyleCnt="4">
+        <dgm:presLayoutVars>
+          <dgm:bulletEnabled val="1"/>
+        </dgm:presLayoutVars>
+      </dgm:prSet>
+      <dgm:spPr/>
+    </dgm:pt>
+    <dgm:pt modelId="{70BE5EF1-0633-44ED-8B97-D2BDBEF4BC4E}" type="pres">
+      <dgm:prSet presAssocID="{DE041B27-0673-46C6-99F5-2320E0F1C6ED}" presName="spaceBetweenRectangles" presStyleCnt="0"/>
+      <dgm:spPr/>
+    </dgm:pt>
+    <dgm:pt modelId="{9239B60B-CDF0-4881-8C63-9387150CB449}" type="pres">
+      <dgm:prSet presAssocID="{C704EAC5-B8F2-4B5D-9C4A-9138D84D7434}" presName="parentLin" presStyleCnt="0"/>
+      <dgm:spPr/>
+    </dgm:pt>
+    <dgm:pt modelId="{A4D3682C-C897-45AA-91B5-00403F34B50C}" type="pres">
+      <dgm:prSet presAssocID="{C704EAC5-B8F2-4B5D-9C4A-9138D84D7434}" presName="parentLeftMargin" presStyleLbl="node1" presStyleIdx="2" presStyleCnt="4"/>
+      <dgm:spPr/>
+    </dgm:pt>
+    <dgm:pt modelId="{253A8B45-E49A-41B6-95D1-544FCD3BC51C}" type="pres">
+      <dgm:prSet presAssocID="{C704EAC5-B8F2-4B5D-9C4A-9138D84D7434}" presName="parentText" presStyleLbl="node1" presStyleIdx="3" presStyleCnt="4">
+        <dgm:presLayoutVars>
+          <dgm:chMax val="0"/>
+          <dgm:bulletEnabled val="1"/>
+        </dgm:presLayoutVars>
+      </dgm:prSet>
+      <dgm:spPr/>
+    </dgm:pt>
+    <dgm:pt modelId="{94B0A950-9E4D-4A44-9BB1-4CA4E3795CE4}" type="pres">
+      <dgm:prSet presAssocID="{C704EAC5-B8F2-4B5D-9C4A-9138D84D7434}" presName="negativeSpace" presStyleCnt="0"/>
+      <dgm:spPr/>
+    </dgm:pt>
+    <dgm:pt modelId="{70D69C57-68F3-41F2-9039-33642F865750}" type="pres">
+      <dgm:prSet presAssocID="{C704EAC5-B8F2-4B5D-9C4A-9138D84D7434}" presName="childText" presStyleLbl="conFgAcc1" presStyleIdx="3" presStyleCnt="4">
         <dgm:presLayoutVars>
           <dgm:bulletEnabled val="1"/>
         </dgm:presLayoutVars>
@@ -2874,14 +3094,21 @@
   </dgm:ptLst>
   <dgm:cxnLst>
     <dgm:cxn modelId="{AEE0A509-9046-41C9-A2CC-BAE3EDA21178}" srcId="{38063777-6FC0-41E6-9585-F67C4B0DAEAC}" destId="{EFFA2691-AD3E-4196-AB96-7D7F530F0060}" srcOrd="0" destOrd="0" parTransId="{E0AA07A2-F006-4435-BC28-51357A8D6C08}" sibTransId="{6C64BAA2-534C-4F44-B05C-36ED4407BD2F}"/>
+    <dgm:cxn modelId="{3ED1F80B-62DF-4C00-92D6-B70619204056}" srcId="{38063777-6FC0-41E6-9585-F67C4B0DAEAC}" destId="{0A453A14-AD1B-4F5D-B0A0-647FB464D447}" srcOrd="1" destOrd="0" parTransId="{DE6E5C00-AA84-4558-92FF-CC868ED9D416}" sibTransId="{F42BB643-B08D-4013-A4AB-E05EB89F2CC3}"/>
     <dgm:cxn modelId="{727FA80F-5EB2-463C-82CD-B66E487657E9}" type="presOf" srcId="{92E13372-DA0C-44A2-AB59-339E73D36842}" destId="{A11631EA-CC65-4AC1-A25D-B7C5B7DA54C3}" srcOrd="1" destOrd="0" presId="urn:microsoft.com/office/officeart/2005/8/layout/list1"/>
     <dgm:cxn modelId="{E0DB2515-4D85-40A5-9BE2-017B1B840F18}" type="presOf" srcId="{D7B0639E-0508-4306-928B-AA987907CADF}" destId="{64932033-C8B0-44E1-A765-9686DB65C0BF}" srcOrd="0" destOrd="1" presId="urn:microsoft.com/office/officeart/2005/8/layout/list1"/>
     <dgm:cxn modelId="{44632016-CC91-4B7D-BC17-D6C97C000206}" srcId="{EF4DE4F3-87A5-4A6B-8907-2F89BB868914}" destId="{38063777-6FC0-41E6-9585-F67C4B0DAEAC}" srcOrd="0" destOrd="0" parTransId="{0FE6B861-2C76-4910-8949-06C780015EF3}" sibTransId="{9EBC1BA4-8016-44ED-86D3-501FBF301EB9}"/>
     <dgm:cxn modelId="{E6DB4137-D670-40A5-AC8A-DBE06B0FE769}" type="presOf" srcId="{CF85E0D5-9078-499D-A71E-2B5BB02A8629}" destId="{3DD09C45-3ACE-4EBD-A28F-F130839C72E5}" srcOrd="0" destOrd="1" presId="urn:microsoft.com/office/officeart/2005/8/layout/list1"/>
+    <dgm:cxn modelId="{28DC165B-F828-4089-B9AC-B0D6578B6A0C}" type="presOf" srcId="{0A453A14-AD1B-4F5D-B0A0-647FB464D447}" destId="{F877A8D8-7DAC-447C-945E-401BFED1061A}" srcOrd="0" destOrd="1" presId="urn:microsoft.com/office/officeart/2005/8/layout/list1"/>
     <dgm:cxn modelId="{22380E5D-FC28-4682-9818-C75793D7516C}" type="presOf" srcId="{EFFA2691-AD3E-4196-AB96-7D7F530F0060}" destId="{F877A8D8-7DAC-447C-945E-401BFED1061A}" srcOrd="0" destOrd="0" presId="urn:microsoft.com/office/officeart/2005/8/layout/list1"/>
+    <dgm:cxn modelId="{B74AD745-C6A4-40B3-84FE-7D7BA8E38C36}" srcId="{C704EAC5-B8F2-4B5D-9C4A-9138D84D7434}" destId="{E2541F2D-8787-4D71-B3EC-8046AC7E598D}" srcOrd="1" destOrd="0" parTransId="{36D72E39-55D4-4600-AF42-8BB02116522B}" sibTransId="{CF13AD4B-CFC8-4E33-8A60-736605ECCAED}"/>
     <dgm:cxn modelId="{57974948-A0E0-43AC-963B-3DB85B6DCB5F}" type="presOf" srcId="{5F979B4D-A1B1-455B-8012-896A260C4656}" destId="{3DD09C45-3ACE-4EBD-A28F-F130839C72E5}" srcOrd="0" destOrd="0" presId="urn:microsoft.com/office/officeart/2005/8/layout/list1"/>
     <dgm:cxn modelId="{7D1FDE48-4BA5-4334-86C1-6AA95879EE38}" type="presOf" srcId="{38063777-6FC0-41E6-9585-F67C4B0DAEAC}" destId="{319D8119-6CF4-44CB-B087-4DDCFD91D553}" srcOrd="1" destOrd="0" presId="urn:microsoft.com/office/officeart/2005/8/layout/list1"/>
+    <dgm:cxn modelId="{21BC924A-B192-41D2-BA2A-9E1F1AD57A33}" type="presOf" srcId="{FDADE170-F128-41B6-BFAD-C27297A7EDA2}" destId="{F877A8D8-7DAC-447C-945E-401BFED1061A}" srcOrd="0" destOrd="2" presId="urn:microsoft.com/office/officeart/2005/8/layout/list1"/>
+    <dgm:cxn modelId="{3BA58C6C-7640-468D-87F7-EDAE7B0660BA}" srcId="{38063777-6FC0-41E6-9585-F67C4B0DAEAC}" destId="{FDADE170-F128-41B6-BFAD-C27297A7EDA2}" srcOrd="2" destOrd="0" parTransId="{50EB138E-1C6C-4C59-9406-8FE502A67834}" sibTransId="{97437822-465C-4DCE-AD27-FFDA6395B86C}"/>
+    <dgm:cxn modelId="{3A464E4D-3872-4C00-A9DD-07B07A0690FE}" type="presOf" srcId="{729A4C71-D6CC-4879-A3B0-F8F8C2A4EBFD}" destId="{70D69C57-68F3-41F2-9039-33642F865750}" srcOrd="0" destOrd="0" presId="urn:microsoft.com/office/officeart/2005/8/layout/list1"/>
     <dgm:cxn modelId="{AB90446E-FB54-4C21-82D1-664ACFD51C8A}" type="presOf" srcId="{E50E505A-AC94-4A01-AB04-3C1B367E4AEF}" destId="{ED0C7F49-A129-4329-B544-B7F22ED6DD66}" srcOrd="0" destOrd="0" presId="urn:microsoft.com/office/officeart/2005/8/layout/list1"/>
+    <dgm:cxn modelId="{4847696F-DD43-435C-9B48-C2A4B479FC3E}" type="presOf" srcId="{C704EAC5-B8F2-4B5D-9C4A-9138D84D7434}" destId="{A4D3682C-C897-45AA-91B5-00403F34B50C}" srcOrd="0" destOrd="0" presId="urn:microsoft.com/office/officeart/2005/8/layout/list1"/>
     <dgm:cxn modelId="{2F21F670-E7C9-4C70-BEF3-830613AD0F14}" srcId="{E50E505A-AC94-4A01-AB04-3C1B367E4AEF}" destId="{D3810A0D-B1BA-49D4-8CB4-04D467F7EE93}" srcOrd="0" destOrd="0" parTransId="{B65B499E-16F7-4993-83EC-C5EA5841EBBF}" sibTransId="{4EB8F620-66C7-49B1-907F-6B4F1A2F7B68}"/>
     <dgm:cxn modelId="{E19ED87D-3A66-4013-B2FE-DCF08B1ABAB8}" srcId="{E50E505A-AC94-4A01-AB04-3C1B367E4AEF}" destId="{D7B0639E-0508-4306-928B-AA987907CADF}" srcOrd="1" destOrd="0" parTransId="{5749D040-3AAA-46F3-9584-DFAC1694BA9B}" sibTransId="{F2CEC9D9-AC7B-4B67-8240-C8197BAD9E24}"/>
     <dgm:cxn modelId="{13E0CF82-E977-4D6F-BDA8-25A7189092FB}" type="presOf" srcId="{E50E505A-AC94-4A01-AB04-3C1B367E4AEF}" destId="{9E8443CA-0F6B-4342-9DF5-CBBB83BC424B}" srcOrd="1" destOrd="0" presId="urn:microsoft.com/office/officeart/2005/8/layout/list1"/>
@@ -2890,10 +3117,14 @@
     <dgm:cxn modelId="{2AEFE8BD-AB30-47F6-96C3-7FD2DE8BECD1}" type="presOf" srcId="{D3810A0D-B1BA-49D4-8CB4-04D467F7EE93}" destId="{64932033-C8B0-44E1-A765-9686DB65C0BF}" srcOrd="0" destOrd="0" presId="urn:microsoft.com/office/officeart/2005/8/layout/list1"/>
     <dgm:cxn modelId="{818AF6CB-DF36-48FF-A6B2-AC848C003C1A}" type="presOf" srcId="{EF4DE4F3-87A5-4A6B-8907-2F89BB868914}" destId="{A35721CB-AF1C-4782-BEEF-0EABA65E75D5}" srcOrd="0" destOrd="0" presId="urn:microsoft.com/office/officeart/2005/8/layout/list1"/>
     <dgm:cxn modelId="{5F8B3ECC-943D-491F-A4B3-3317DBCB6460}" type="presOf" srcId="{38063777-6FC0-41E6-9585-F67C4B0DAEAC}" destId="{75CCEB1F-0811-4537-84F3-6D61DF9543C1}" srcOrd="0" destOrd="0" presId="urn:microsoft.com/office/officeart/2005/8/layout/list1"/>
+    <dgm:cxn modelId="{A1BD42CD-B118-48C9-9136-4181BD73D2F4}" srcId="{C704EAC5-B8F2-4B5D-9C4A-9138D84D7434}" destId="{729A4C71-D6CC-4879-A3B0-F8F8C2A4EBFD}" srcOrd="0" destOrd="0" parTransId="{25836D3B-E9C3-4599-9117-99ECF3C039B6}" sibTransId="{3719AF55-B0A2-483B-AD41-235B1B8D284E}"/>
+    <dgm:cxn modelId="{AF72B6CE-AA8B-4F66-9BDC-B0EE84D082FD}" srcId="{EF4DE4F3-87A5-4A6B-8907-2F89BB868914}" destId="{C704EAC5-B8F2-4B5D-9C4A-9138D84D7434}" srcOrd="3" destOrd="0" parTransId="{E2C64C25-6F69-4126-8640-53A1180D200A}" sibTransId="{2E745D89-ECA7-43F9-93F9-4C31F75F4461}"/>
     <dgm:cxn modelId="{A4F217D7-E722-47DE-A465-739AE1EFB265}" srcId="{EF4DE4F3-87A5-4A6B-8907-2F89BB868914}" destId="{E50E505A-AC94-4A01-AB04-3C1B367E4AEF}" srcOrd="1" destOrd="0" parTransId="{663AC903-A430-4EDB-84C1-1422D535F564}" sibTransId="{19CFACE8-CE97-4201-A80D-C1400120E524}"/>
     <dgm:cxn modelId="{160B06DA-7CFA-42D9-942D-E70C5DD6CDE9}" srcId="{5F979B4D-A1B1-455B-8012-896A260C4656}" destId="{CF85E0D5-9078-499D-A71E-2B5BB02A8629}" srcOrd="0" destOrd="0" parTransId="{44F3BED4-C936-4E44-BAA2-1D8DCB67D970}" sibTransId="{5FE77A47-1852-4403-8EDD-0428163F419B}"/>
+    <dgm:cxn modelId="{912F53E0-382D-4105-BB3D-5B8333E529BA}" type="presOf" srcId="{E2541F2D-8787-4D71-B3EC-8046AC7E598D}" destId="{70D69C57-68F3-41F2-9039-33642F865750}" srcOrd="0" destOrd="1" presId="urn:microsoft.com/office/officeart/2005/8/layout/list1"/>
     <dgm:cxn modelId="{6A79AAE5-1664-42D6-840D-B63B524E1296}" type="presOf" srcId="{92E13372-DA0C-44A2-AB59-339E73D36842}" destId="{C7734247-D771-4292-8712-A6F4426ECBBA}" srcOrd="0" destOrd="0" presId="urn:microsoft.com/office/officeart/2005/8/layout/list1"/>
     <dgm:cxn modelId="{0198F7F0-0C4D-4DBA-A566-535C28E351C0}" srcId="{5F979B4D-A1B1-455B-8012-896A260C4656}" destId="{6090BE24-CF1A-4C93-9163-24369F3B947C}" srcOrd="1" destOrd="0" parTransId="{E2E3F378-18F9-4976-ABB5-E5164A954AA3}" sibTransId="{1EB780B9-A1AF-4719-82BC-97CAD9522D25}"/>
+    <dgm:cxn modelId="{C579ABF3-8C50-4052-B3B7-9B63CE65A97E}" type="presOf" srcId="{C704EAC5-B8F2-4B5D-9C4A-9138D84D7434}" destId="{253A8B45-E49A-41B6-95D1-544FCD3BC51C}" srcOrd="1" destOrd="0" presId="urn:microsoft.com/office/officeart/2005/8/layout/list1"/>
     <dgm:cxn modelId="{E6D4FBF9-705C-4147-AE9F-3A19BB025FC9}" srcId="{EF4DE4F3-87A5-4A6B-8907-2F89BB868914}" destId="{92E13372-DA0C-44A2-AB59-339E73D36842}" srcOrd="2" destOrd="0" parTransId="{69C4977A-ABB4-4191-9688-CF75641D78B1}" sibTransId="{DE041B27-0673-46C6-99F5-2320E0F1C6ED}"/>
     <dgm:cxn modelId="{30B586F5-CD36-4A84-912D-5DD271935CB6}" type="presParOf" srcId="{A35721CB-AF1C-4782-BEEF-0EABA65E75D5}" destId="{1651B150-9949-424C-9707-6B6FA5AE3F60}" srcOrd="0" destOrd="0" presId="urn:microsoft.com/office/officeart/2005/8/layout/list1"/>
     <dgm:cxn modelId="{E0ED46AB-868F-4130-B0F8-97C2698DBEDB}" type="presParOf" srcId="{1651B150-9949-424C-9707-6B6FA5AE3F60}" destId="{75CCEB1F-0811-4537-84F3-6D61DF9543C1}" srcOrd="0" destOrd="0" presId="urn:microsoft.com/office/officeart/2005/8/layout/list1"/>
@@ -2912,6 +3143,12 @@
     <dgm:cxn modelId="{98C1C1CC-5A82-4250-83A5-C16B03E3E545}" type="presParOf" srcId="{92C0EF36-6731-4519-A957-A15EFEDEC3D8}" destId="{A11631EA-CC65-4AC1-A25D-B7C5B7DA54C3}" srcOrd="1" destOrd="0" presId="urn:microsoft.com/office/officeart/2005/8/layout/list1"/>
     <dgm:cxn modelId="{6B1E6CA5-29AD-4581-878E-F8A1474D2578}" type="presParOf" srcId="{A35721CB-AF1C-4782-BEEF-0EABA65E75D5}" destId="{F9AA9E91-5D28-4759-B23E-52415B38576C}" srcOrd="9" destOrd="0" presId="urn:microsoft.com/office/officeart/2005/8/layout/list1"/>
     <dgm:cxn modelId="{C555AC30-077B-40E7-BB78-6A6D02720DDC}" type="presParOf" srcId="{A35721CB-AF1C-4782-BEEF-0EABA65E75D5}" destId="{3DD09C45-3ACE-4EBD-A28F-F130839C72E5}" srcOrd="10" destOrd="0" presId="urn:microsoft.com/office/officeart/2005/8/layout/list1"/>
+    <dgm:cxn modelId="{65362635-B731-4747-9DA6-E478B70409C2}" type="presParOf" srcId="{A35721CB-AF1C-4782-BEEF-0EABA65E75D5}" destId="{70BE5EF1-0633-44ED-8B97-D2BDBEF4BC4E}" srcOrd="11" destOrd="0" presId="urn:microsoft.com/office/officeart/2005/8/layout/list1"/>
+    <dgm:cxn modelId="{25DA8538-6A29-49DE-9836-6FCF2EDB68D5}" type="presParOf" srcId="{A35721CB-AF1C-4782-BEEF-0EABA65E75D5}" destId="{9239B60B-CDF0-4881-8C63-9387150CB449}" srcOrd="12" destOrd="0" presId="urn:microsoft.com/office/officeart/2005/8/layout/list1"/>
+    <dgm:cxn modelId="{971AAC45-49DC-4384-9250-857EA138312B}" type="presParOf" srcId="{9239B60B-CDF0-4881-8C63-9387150CB449}" destId="{A4D3682C-C897-45AA-91B5-00403F34B50C}" srcOrd="0" destOrd="0" presId="urn:microsoft.com/office/officeart/2005/8/layout/list1"/>
+    <dgm:cxn modelId="{07934E47-F4E3-497A-B4FE-B8F6581DD49D}" type="presParOf" srcId="{9239B60B-CDF0-4881-8C63-9387150CB449}" destId="{253A8B45-E49A-41B6-95D1-544FCD3BC51C}" srcOrd="1" destOrd="0" presId="urn:microsoft.com/office/officeart/2005/8/layout/list1"/>
+    <dgm:cxn modelId="{A34B9A7D-AD91-4AB6-9C90-9B8E2F6DA95C}" type="presParOf" srcId="{A35721CB-AF1C-4782-BEEF-0EABA65E75D5}" destId="{94B0A950-9E4D-4A44-9BB1-4CA4E3795CE4}" srcOrd="13" destOrd="0" presId="urn:microsoft.com/office/officeart/2005/8/layout/list1"/>
+    <dgm:cxn modelId="{ADADAB5B-A13E-4045-BA49-3A66E1D24984}" type="presParOf" srcId="{A35721CB-AF1C-4782-BEEF-0EABA65E75D5}" destId="{70D69C57-68F3-41F2-9039-33642F865750}" srcOrd="14" destOrd="0" presId="urn:microsoft.com/office/officeart/2005/8/layout/list1"/>
   </dgm:cxnLst>
   <dgm:bg/>
   <dgm:whole/>
@@ -3194,78 +3431,6 @@
         </a:p>
       </dgm:t>
     </dgm:pt>
-    <dgm:pt modelId="{5BF8D45B-B357-4E1B-9CC6-E872747E51A1}">
-      <dgm:prSet/>
-      <dgm:spPr/>
-      <dgm:t>
-        <a:bodyPr/>
-        <a:lstStyle/>
-        <a:p>
-          <a:r>
-            <a:rPr lang="en-US" dirty="0"/>
-            <a:t>The manager still needs to remember if he has already registered or not </a:t>
-          </a:r>
-        </a:p>
-      </dgm:t>
-    </dgm:pt>
-    <dgm:pt modelId="{C0A2EE25-D47A-47E0-A468-4D9FA1794882}" type="parTrans" cxnId="{DDA55C69-DE11-407F-ABA0-F35253A41C43}">
-      <dgm:prSet/>
-      <dgm:spPr/>
-      <dgm:t>
-        <a:bodyPr/>
-        <a:lstStyle/>
-        <a:p>
-          <a:endParaRPr lang="en-US"/>
-        </a:p>
-      </dgm:t>
-    </dgm:pt>
-    <dgm:pt modelId="{5A4CFB50-E421-49D7-98B3-CE396B8FE9B4}" type="sibTrans" cxnId="{DDA55C69-DE11-407F-ABA0-F35253A41C43}">
-      <dgm:prSet/>
-      <dgm:spPr/>
-      <dgm:t>
-        <a:bodyPr/>
-        <a:lstStyle/>
-        <a:p>
-          <a:endParaRPr lang="en-US"/>
-        </a:p>
-      </dgm:t>
-    </dgm:pt>
-    <dgm:pt modelId="{B5CC77E2-47B7-4A80-8195-F7C59188AE30}">
-      <dgm:prSet/>
-      <dgm:spPr/>
-      <dgm:t>
-        <a:bodyPr/>
-        <a:lstStyle/>
-        <a:p>
-          <a:r>
-            <a:rPr lang="en-US" dirty="0"/>
-            <a:t>Might implement later on if we still have time</a:t>
-          </a:r>
-        </a:p>
-      </dgm:t>
-    </dgm:pt>
-    <dgm:pt modelId="{A56D6B9B-A5B1-4104-805D-693962B0CDC6}" type="parTrans" cxnId="{D712366F-FAF2-490F-9B00-5CCD31A2BB4C}">
-      <dgm:prSet/>
-      <dgm:spPr/>
-      <dgm:t>
-        <a:bodyPr/>
-        <a:lstStyle/>
-        <a:p>
-          <a:endParaRPr lang="en-US"/>
-        </a:p>
-      </dgm:t>
-    </dgm:pt>
-    <dgm:pt modelId="{60353CEA-8BA0-4585-940D-4349F79B6EBA}" type="sibTrans" cxnId="{D712366F-FAF2-490F-9B00-5CCD31A2BB4C}">
-      <dgm:prSet/>
-      <dgm:spPr/>
-      <dgm:t>
-        <a:bodyPr/>
-        <a:lstStyle/>
-        <a:p>
-          <a:endParaRPr lang="en-US"/>
-        </a:p>
-      </dgm:t>
-    </dgm:pt>
     <dgm:pt modelId="{9217D800-56B1-4077-938A-552A26182160}">
       <dgm:prSet/>
       <dgm:spPr/>
@@ -3338,6 +3503,80 @@
         </a:p>
       </dgm:t>
     </dgm:pt>
+    <dgm:pt modelId="{60BD36C5-0D83-46FA-B60F-362EE41F63CD}">
+      <dgm:prSet/>
+      <dgm:spPr/>
+      <dgm:t>
+        <a:bodyPr/>
+        <a:lstStyle/>
+        <a:p>
+          <a:r>
+            <a:rPr lang="en-IN" dirty="0"/>
+            <a:t>Handling security</a:t>
+          </a:r>
+          <a:endParaRPr lang="en-US" dirty="0"/>
+        </a:p>
+      </dgm:t>
+    </dgm:pt>
+    <dgm:pt modelId="{9BAC823B-03C6-49B3-B6A2-E71F555001DB}" type="parTrans" cxnId="{EDFCFED6-C56E-4610-99F6-42D852FF1DF5}">
+      <dgm:prSet/>
+      <dgm:spPr/>
+      <dgm:t>
+        <a:bodyPr/>
+        <a:lstStyle/>
+        <a:p>
+          <a:endParaRPr lang="en-US"/>
+        </a:p>
+      </dgm:t>
+    </dgm:pt>
+    <dgm:pt modelId="{4182B018-4382-4282-88BD-DDEAA893811A}" type="sibTrans" cxnId="{EDFCFED6-C56E-4610-99F6-42D852FF1DF5}">
+      <dgm:prSet/>
+      <dgm:spPr/>
+      <dgm:t>
+        <a:bodyPr/>
+        <a:lstStyle/>
+        <a:p>
+          <a:endParaRPr lang="en-US"/>
+        </a:p>
+      </dgm:t>
+    </dgm:pt>
+    <dgm:pt modelId="{66FA18C2-C08D-4CAC-BA31-9B05A965FBBE}">
+      <dgm:prSet/>
+      <dgm:spPr/>
+      <dgm:t>
+        <a:bodyPr/>
+        <a:lstStyle/>
+        <a:p>
+          <a:r>
+            <a:rPr lang="en-IN" dirty="0"/>
+            <a:t>Admins verify players, create tournaments, assign accounts for score keeper</a:t>
+          </a:r>
+          <a:endParaRPr lang="en-US" dirty="0"/>
+        </a:p>
+      </dgm:t>
+    </dgm:pt>
+    <dgm:pt modelId="{2F8800A7-2734-4431-BC2B-76FC12924B50}" type="parTrans" cxnId="{D796B375-6ADA-4E33-B07B-842FBAA2E650}">
+      <dgm:prSet/>
+      <dgm:spPr/>
+      <dgm:t>
+        <a:bodyPr/>
+        <a:lstStyle/>
+        <a:p>
+          <a:endParaRPr lang="en-US"/>
+        </a:p>
+      </dgm:t>
+    </dgm:pt>
+    <dgm:pt modelId="{631A455D-32B4-4B7D-8FB4-E1C9FB62BA96}" type="sibTrans" cxnId="{D796B375-6ADA-4E33-B07B-842FBAA2E650}">
+      <dgm:prSet/>
+      <dgm:spPr/>
+      <dgm:t>
+        <a:bodyPr/>
+        <a:lstStyle/>
+        <a:p>
+          <a:endParaRPr lang="en-US"/>
+        </a:p>
+      </dgm:t>
+    </dgm:pt>
     <dgm:pt modelId="{A7BC58AB-0312-4AF6-B51E-C2D08F65C299}" type="pres">
       <dgm:prSet presAssocID="{9CBFDC6A-7482-4ED4-902C-4B2D423A159D}" presName="linear" presStyleCnt="0">
         <dgm:presLayoutVars>
@@ -3348,7 +3587,7 @@
       <dgm:spPr/>
     </dgm:pt>
     <dgm:pt modelId="{15B6029F-5D12-464F-90B4-955EE71C518F}" type="pres">
-      <dgm:prSet presAssocID="{7112334C-2238-4040-BCC3-6E05531963CE}" presName="parentText" presStyleLbl="node1" presStyleIdx="0" presStyleCnt="4">
+      <dgm:prSet presAssocID="{7112334C-2238-4040-BCC3-6E05531963CE}" presName="parentText" presStyleLbl="node1" presStyleIdx="0" presStyleCnt="5">
         <dgm:presLayoutVars>
           <dgm:chMax val="0"/>
           <dgm:bulletEnabled val="1"/>
@@ -3357,7 +3596,7 @@
       <dgm:spPr/>
     </dgm:pt>
     <dgm:pt modelId="{C8DD7942-94CE-461D-B2E2-BE0B5198D02A}" type="pres">
-      <dgm:prSet presAssocID="{7112334C-2238-4040-BCC3-6E05531963CE}" presName="childText" presStyleLbl="revTx" presStyleIdx="0" presStyleCnt="4">
+      <dgm:prSet presAssocID="{7112334C-2238-4040-BCC3-6E05531963CE}" presName="childText" presStyleLbl="revTx" presStyleIdx="0" presStyleCnt="5">
         <dgm:presLayoutVars>
           <dgm:bulletEnabled val="1"/>
         </dgm:presLayoutVars>
@@ -3365,7 +3604,7 @@
       <dgm:spPr/>
     </dgm:pt>
     <dgm:pt modelId="{4F2796A4-08DE-41D3-860E-F025FD84FA26}" type="pres">
-      <dgm:prSet presAssocID="{C0A03E02-2291-42C2-819F-40DB9A27982D}" presName="parentText" presStyleLbl="node1" presStyleIdx="1" presStyleCnt="4">
+      <dgm:prSet presAssocID="{C0A03E02-2291-42C2-819F-40DB9A27982D}" presName="parentText" presStyleLbl="node1" presStyleIdx="1" presStyleCnt="5">
         <dgm:presLayoutVars>
           <dgm:chMax val="0"/>
           <dgm:bulletEnabled val="1"/>
@@ -3374,7 +3613,7 @@
       <dgm:spPr/>
     </dgm:pt>
     <dgm:pt modelId="{46044C67-42D7-4784-B9D3-334D9D6D954D}" type="pres">
-      <dgm:prSet presAssocID="{C0A03E02-2291-42C2-819F-40DB9A27982D}" presName="childText" presStyleLbl="revTx" presStyleIdx="1" presStyleCnt="4">
+      <dgm:prSet presAssocID="{C0A03E02-2291-42C2-819F-40DB9A27982D}" presName="childText" presStyleLbl="revTx" presStyleIdx="1" presStyleCnt="5">
         <dgm:presLayoutVars>
           <dgm:bulletEnabled val="1"/>
         </dgm:presLayoutVars>
@@ -3382,7 +3621,7 @@
       <dgm:spPr/>
     </dgm:pt>
     <dgm:pt modelId="{9D1B1293-A79E-4206-A0AA-15A2FA262410}" type="pres">
-      <dgm:prSet presAssocID="{79D3A295-E0EF-46F8-9403-7E5D96E07D0B}" presName="parentText" presStyleLbl="node1" presStyleIdx="2" presStyleCnt="4">
+      <dgm:prSet presAssocID="{79D3A295-E0EF-46F8-9403-7E5D96E07D0B}" presName="parentText" presStyleLbl="node1" presStyleIdx="2" presStyleCnt="5">
         <dgm:presLayoutVars>
           <dgm:chMax val="0"/>
           <dgm:bulletEnabled val="1"/>
@@ -3391,7 +3630,7 @@
       <dgm:spPr/>
     </dgm:pt>
     <dgm:pt modelId="{1F0C5244-AF05-416E-928B-86C6249BCFA5}" type="pres">
-      <dgm:prSet presAssocID="{79D3A295-E0EF-46F8-9403-7E5D96E07D0B}" presName="childText" presStyleLbl="revTx" presStyleIdx="2" presStyleCnt="4">
+      <dgm:prSet presAssocID="{79D3A295-E0EF-46F8-9403-7E5D96E07D0B}" presName="childText" presStyleLbl="revTx" presStyleIdx="2" presStyleCnt="5">
         <dgm:presLayoutVars>
           <dgm:bulletEnabled val="1"/>
         </dgm:presLayoutVars>
@@ -3399,7 +3638,7 @@
       <dgm:spPr/>
     </dgm:pt>
     <dgm:pt modelId="{B2F107DA-1AA0-4AC2-B3DC-0751FFE77869}" type="pres">
-      <dgm:prSet presAssocID="{9217D800-56B1-4077-938A-552A26182160}" presName="parentText" presStyleLbl="node1" presStyleIdx="3" presStyleCnt="4">
+      <dgm:prSet presAssocID="{9217D800-56B1-4077-938A-552A26182160}" presName="parentText" presStyleLbl="node1" presStyleIdx="3" presStyleCnt="5">
         <dgm:presLayoutVars>
           <dgm:chMax val="0"/>
           <dgm:bulletEnabled val="1"/>
@@ -3408,7 +3647,24 @@
       <dgm:spPr/>
     </dgm:pt>
     <dgm:pt modelId="{05BFBEB4-D5C0-4C85-BEA2-03D8D2872CFB}" type="pres">
-      <dgm:prSet presAssocID="{9217D800-56B1-4077-938A-552A26182160}" presName="childText" presStyleLbl="revTx" presStyleIdx="3" presStyleCnt="4">
+      <dgm:prSet presAssocID="{9217D800-56B1-4077-938A-552A26182160}" presName="childText" presStyleLbl="revTx" presStyleIdx="3" presStyleCnt="5">
+        <dgm:presLayoutVars>
+          <dgm:bulletEnabled val="1"/>
+        </dgm:presLayoutVars>
+      </dgm:prSet>
+      <dgm:spPr/>
+    </dgm:pt>
+    <dgm:pt modelId="{7F990AEB-D79B-4782-88F8-37CF207D42C4}" type="pres">
+      <dgm:prSet presAssocID="{60BD36C5-0D83-46FA-B60F-362EE41F63CD}" presName="parentText" presStyleLbl="node1" presStyleIdx="4" presStyleCnt="5">
+        <dgm:presLayoutVars>
+          <dgm:chMax val="0"/>
+          <dgm:bulletEnabled val="1"/>
+        </dgm:presLayoutVars>
+      </dgm:prSet>
+      <dgm:spPr/>
+    </dgm:pt>
+    <dgm:pt modelId="{FD38EA82-E351-454C-B5AB-27B663D07E85}" type="pres">
+      <dgm:prSet presAssocID="{60BD36C5-0D83-46FA-B60F-362EE41F63CD}" presName="childText" presStyleLbl="revTx" presStyleIdx="4" presStyleCnt="5">
         <dgm:presLayoutVars>
           <dgm:bulletEnabled val="1"/>
         </dgm:presLayoutVars>
@@ -3423,18 +3679,18 @@
     <dgm:cxn modelId="{F8AAE41D-2ACC-4D0D-AF88-C765B95BDB0C}" srcId="{C0A03E02-2291-42C2-819F-40DB9A27982D}" destId="{04242A6A-4088-47D0-AECD-3B488F228470}" srcOrd="0" destOrd="0" parTransId="{D9F034E2-1418-4DB4-A8C5-69A2378D6F08}" sibTransId="{79E5CCE2-4CAA-4995-9A2F-4DFB43F3FFD6}"/>
     <dgm:cxn modelId="{5A43E53B-2C79-45B9-AC33-BE9E9EC07502}" srcId="{9217D800-56B1-4077-938A-552A26182160}" destId="{F5C07B2B-6579-43D4-A4C0-74BB8FB322AB}" srcOrd="0" destOrd="0" parTransId="{7BEAF4C9-097C-4BEC-B802-66A8824B66E4}" sibTransId="{C3575E01-61C7-47C4-9B77-88A39A357EEF}"/>
     <dgm:cxn modelId="{00616F5E-CE71-48C5-99B0-C2524AE39231}" type="presOf" srcId="{7112334C-2238-4040-BCC3-6E05531963CE}" destId="{15B6029F-5D12-464F-90B4-955EE71C518F}" srcOrd="0" destOrd="0" presId="urn:microsoft.com/office/officeart/2005/8/layout/vList2"/>
+    <dgm:cxn modelId="{4B2F0643-44D1-428C-A8E2-F397EE11BE83}" type="presOf" srcId="{66FA18C2-C08D-4CAC-BA31-9B05A965FBBE}" destId="{FD38EA82-E351-454C-B5AB-27B663D07E85}" srcOrd="0" destOrd="0" presId="urn:microsoft.com/office/officeart/2005/8/layout/vList2"/>
     <dgm:cxn modelId="{CC424263-BF88-459D-A1CD-382F3DB80F86}" srcId="{9CBFDC6A-7482-4ED4-902C-4B2D423A159D}" destId="{9217D800-56B1-4077-938A-552A26182160}" srcOrd="3" destOrd="0" parTransId="{8BAD0520-92E2-40D2-9D09-ECC57316D8EC}" sibTransId="{0EE1EA57-C189-492A-9911-CBA30124ED0E}"/>
-    <dgm:cxn modelId="{DDA55C69-DE11-407F-ABA0-F35253A41C43}" srcId="{5AB68BF7-D948-4B9B-9A1C-43DBDE181B05}" destId="{5BF8D45B-B357-4E1B-9CC6-E872747E51A1}" srcOrd="0" destOrd="0" parTransId="{C0A2EE25-D47A-47E0-A468-4D9FA1794882}" sibTransId="{5A4CFB50-E421-49D7-98B3-CE396B8FE9B4}"/>
     <dgm:cxn modelId="{276B046B-E292-4003-B611-47266377B446}" srcId="{9CBFDC6A-7482-4ED4-902C-4B2D423A159D}" destId="{C0A03E02-2291-42C2-819F-40DB9A27982D}" srcOrd="1" destOrd="0" parTransId="{E2BC4BCD-7024-47AD-A3C6-1B67AB160541}" sibTransId="{51199693-2949-4B8C-8339-7D40CBEB5E85}"/>
-    <dgm:cxn modelId="{D712366F-FAF2-490F-9B00-5CCD31A2BB4C}" srcId="{5BF8D45B-B357-4E1B-9CC6-E872747E51A1}" destId="{B5CC77E2-47B7-4A80-8195-F7C59188AE30}" srcOrd="0" destOrd="0" parTransId="{A56D6B9B-A5B1-4104-805D-693962B0CDC6}" sibTransId="{60353CEA-8BA0-4585-940D-4349F79B6EBA}"/>
+    <dgm:cxn modelId="{D796B375-6ADA-4E33-B07B-842FBAA2E650}" srcId="{60BD36C5-0D83-46FA-B60F-362EE41F63CD}" destId="{66FA18C2-C08D-4CAC-BA31-9B05A965FBBE}" srcOrd="0" destOrd="0" parTransId="{2F8800A7-2734-4431-BC2B-76FC12924B50}" sibTransId="{631A455D-32B4-4B7D-8FB4-E1C9FB62BA96}"/>
     <dgm:cxn modelId="{EBC7447B-A494-439C-A225-FB27D10CAA4A}" type="presOf" srcId="{04242A6A-4088-47D0-AECD-3B488F228470}" destId="{46044C67-42D7-4784-B9D3-334D9D6D954D}" srcOrd="0" destOrd="0" presId="urn:microsoft.com/office/officeart/2005/8/layout/vList2"/>
     <dgm:cxn modelId="{D845D080-F032-4EE6-8C43-F207F21F2D1D}" srcId="{04242A6A-4088-47D0-AECD-3B488F228470}" destId="{1ED9411E-7511-4FC8-98D7-28E1062D54B7}" srcOrd="0" destOrd="0" parTransId="{1DA60E6F-A606-4C94-932A-D51AB5FCD57A}" sibTransId="{DD98B751-B23E-4A7E-832B-1F0E882D7924}"/>
     <dgm:cxn modelId="{2AA02F87-7D08-45BA-B2D9-4AA444B7618F}" srcId="{9CBFDC6A-7482-4ED4-902C-4B2D423A159D}" destId="{79D3A295-E0EF-46F8-9403-7E5D96E07D0B}" srcOrd="2" destOrd="0" parTransId="{01F6EA01-19C9-4BC1-90A7-B403537E2425}" sibTransId="{11A5E1E8-AC03-405F-8447-2B837C9B981D}"/>
     <dgm:cxn modelId="{59A2C9A0-D39E-4D80-AD39-0E1EAF0E2811}" type="presOf" srcId="{5AB68BF7-D948-4B9B-9A1C-43DBDE181B05}" destId="{1F0C5244-AF05-416E-928B-86C6249BCFA5}" srcOrd="0" destOrd="0" presId="urn:microsoft.com/office/officeart/2005/8/layout/vList2"/>
     <dgm:cxn modelId="{CA72DEB6-2B92-49FE-A4A6-0B8ED996475E}" srcId="{9CBFDC6A-7482-4ED4-902C-4B2D423A159D}" destId="{7112334C-2238-4040-BCC3-6E05531963CE}" srcOrd="0" destOrd="0" parTransId="{E502398E-30AD-4F3D-A769-C89C229932EB}" sibTransId="{C3E37AC0-DA8A-4FD6-B38D-18DCAEE3419A}"/>
-    <dgm:cxn modelId="{BAF66CBC-D2FF-4ADB-8881-68192E9D6A9E}" type="presOf" srcId="{5BF8D45B-B357-4E1B-9CC6-E872747E51A1}" destId="{1F0C5244-AF05-416E-928B-86C6249BCFA5}" srcOrd="0" destOrd="1" presId="urn:microsoft.com/office/officeart/2005/8/layout/vList2"/>
     <dgm:cxn modelId="{3E586DC0-9431-4B8E-8070-A51E88352716}" srcId="{7112334C-2238-4040-BCC3-6E05531963CE}" destId="{DBC9AEA4-EA1F-4AE9-A850-AF232770B8BE}" srcOrd="0" destOrd="0" parTransId="{82FAF728-2A98-42EC-8330-8C4C135B6455}" sibTransId="{85FD679A-D44B-4002-A7DE-8BEA2F85FDB5}"/>
-    <dgm:cxn modelId="{235A6DD8-89E7-439E-9DF0-F116188CD7DF}" type="presOf" srcId="{B5CC77E2-47B7-4A80-8195-F7C59188AE30}" destId="{1F0C5244-AF05-416E-928B-86C6249BCFA5}" srcOrd="0" destOrd="2" presId="urn:microsoft.com/office/officeart/2005/8/layout/vList2"/>
+    <dgm:cxn modelId="{DAAF92D5-9730-4039-BE44-813692C3CA85}" type="presOf" srcId="{60BD36C5-0D83-46FA-B60F-362EE41F63CD}" destId="{7F990AEB-D79B-4782-88F8-37CF207D42C4}" srcOrd="0" destOrd="0" presId="urn:microsoft.com/office/officeart/2005/8/layout/vList2"/>
+    <dgm:cxn modelId="{EDFCFED6-C56E-4610-99F6-42D852FF1DF5}" srcId="{9CBFDC6A-7482-4ED4-902C-4B2D423A159D}" destId="{60BD36C5-0D83-46FA-B60F-362EE41F63CD}" srcOrd="4" destOrd="0" parTransId="{9BAC823B-03C6-49B3-B6A2-E71F555001DB}" sibTransId="{4182B018-4382-4282-88BD-DDEAA893811A}"/>
     <dgm:cxn modelId="{0488BADA-229F-44EA-9F60-D13CE3DC27E1}" type="presOf" srcId="{79D3A295-E0EF-46F8-9403-7E5D96E07D0B}" destId="{9D1B1293-A79E-4206-A0AA-15A2FA262410}" srcOrd="0" destOrd="0" presId="urn:microsoft.com/office/officeart/2005/8/layout/vList2"/>
     <dgm:cxn modelId="{1BB68BDB-D7A9-4AFC-94CD-08E858A03908}" type="presOf" srcId="{C0A03E02-2291-42C2-819F-40DB9A27982D}" destId="{4F2796A4-08DE-41D3-860E-F025FD84FA26}" srcOrd="0" destOrd="0" presId="urn:microsoft.com/office/officeart/2005/8/layout/vList2"/>
     <dgm:cxn modelId="{9FF1E3DE-57CC-40B5-922C-57AD20902DE8}" type="presOf" srcId="{F5C07B2B-6579-43D4-A4C0-74BB8FB322AB}" destId="{05BFBEB4-D5C0-4C85-BEA2-03D8D2872CFB}" srcOrd="0" destOrd="0" presId="urn:microsoft.com/office/officeart/2005/8/layout/vList2"/>
@@ -3448,6 +3704,8 @@
     <dgm:cxn modelId="{7BCDA0CB-12D8-4288-80B8-ED7EB17AA10D}" type="presParOf" srcId="{A7BC58AB-0312-4AF6-B51E-C2D08F65C299}" destId="{1F0C5244-AF05-416E-928B-86C6249BCFA5}" srcOrd="5" destOrd="0" presId="urn:microsoft.com/office/officeart/2005/8/layout/vList2"/>
     <dgm:cxn modelId="{BB14A7B4-FBA9-430A-870A-6318F23C7550}" type="presParOf" srcId="{A7BC58AB-0312-4AF6-B51E-C2D08F65C299}" destId="{B2F107DA-1AA0-4AC2-B3DC-0751FFE77869}" srcOrd="6" destOrd="0" presId="urn:microsoft.com/office/officeart/2005/8/layout/vList2"/>
     <dgm:cxn modelId="{A796C73A-C206-4D43-9226-6EEC43C3B95C}" type="presParOf" srcId="{A7BC58AB-0312-4AF6-B51E-C2D08F65C299}" destId="{05BFBEB4-D5C0-4C85-BEA2-03D8D2872CFB}" srcOrd="7" destOrd="0" presId="urn:microsoft.com/office/officeart/2005/8/layout/vList2"/>
+    <dgm:cxn modelId="{5BE4D595-82C7-4326-9E34-00FE3465AD97}" type="presParOf" srcId="{A7BC58AB-0312-4AF6-B51E-C2D08F65C299}" destId="{7F990AEB-D79B-4782-88F8-37CF207D42C4}" srcOrd="8" destOrd="0" presId="urn:microsoft.com/office/officeart/2005/8/layout/vList2"/>
+    <dgm:cxn modelId="{B464D1F4-51C8-48EB-B25E-C5FF3498AD3B}" type="presParOf" srcId="{A7BC58AB-0312-4AF6-B51E-C2D08F65C299}" destId="{FD38EA82-E351-454C-B5AB-27B663D07E85}" srcOrd="9" destOrd="0" presId="urn:microsoft.com/office/officeart/2005/8/layout/vList2"/>
   </dgm:cxnLst>
   <dgm:bg/>
   <dgm:whole/>
@@ -3554,9 +3812,10 @@
         <a:lstStyle/>
         <a:p>
           <a:r>
-            <a:rPr lang="en-US"/>
+            <a:rPr lang="en-US" dirty="0" err="1"/>
             <a:t>MySql</a:t>
           </a:r>
+          <a:endParaRPr lang="en-US" dirty="0"/>
         </a:p>
       </dgm:t>
     </dgm:pt>
@@ -3855,8 +4114,8 @@
       </dsp:nvSpPr>
       <dsp:spPr>
         <a:xfrm>
-          <a:off x="0" y="344361"/>
-          <a:ext cx="8229600" cy="807975"/>
+          <a:off x="0" y="316574"/>
+          <a:ext cx="8229600" cy="1134000"/>
         </a:xfrm>
         <a:prstGeom prst="rect">
           <a:avLst/>
@@ -3896,12 +4155,12 @@
         <a:fontRef idx="minor"/>
       </dsp:style>
       <dsp:txBody>
-        <a:bodyPr spcFirstLastPara="0" vert="horz" wrap="square" lIns="638708" tIns="395732" rIns="638708" bIns="135128" numCol="1" spcCol="1270" anchor="t" anchorCtr="0">
+        <a:bodyPr spcFirstLastPara="0" vert="horz" wrap="square" lIns="638708" tIns="312420" rIns="638708" bIns="106680" numCol="1" spcCol="1270" anchor="t" anchorCtr="0">
           <a:noAutofit/>
         </a:bodyPr>
         <a:lstStyle/>
         <a:p>
-          <a:pPr marL="171450" lvl="1" indent="-171450" algn="l" defTabSz="844550">
+          <a:pPr marL="114300" lvl="1" indent="-114300" algn="l" defTabSz="666750">
             <a:lnSpc>
               <a:spcPct val="90000"/>
             </a:lnSpc>
@@ -3914,15 +4173,53 @@
             <a:buChar char="•"/>
           </a:pPr>
           <a:r>
-            <a:rPr lang="en-IN" sz="1900" kern="1200" dirty="0"/>
+            <a:rPr lang="en-IN" sz="1500" kern="1200" dirty="0"/>
             <a:t>Create Tournaments</a:t>
           </a:r>
-          <a:endParaRPr lang="en-US" sz="1900" kern="1200" dirty="0"/>
+          <a:endParaRPr lang="en-US" sz="1500" kern="1200" dirty="0"/>
+        </a:p>
+        <a:p>
+          <a:pPr marL="114300" lvl="1" indent="-114300" algn="l" defTabSz="666750">
+            <a:lnSpc>
+              <a:spcPct val="90000"/>
+            </a:lnSpc>
+            <a:spcBef>
+              <a:spcPct val="0"/>
+            </a:spcBef>
+            <a:spcAft>
+              <a:spcPct val="15000"/>
+            </a:spcAft>
+            <a:buChar char="•"/>
+          </a:pPr>
+          <a:r>
+            <a:rPr lang="en-IN" sz="1500" kern="1200" dirty="0"/>
+            <a:t>Edit Tournament Details</a:t>
+          </a:r>
+          <a:endParaRPr lang="en-US" sz="1500" kern="1200" dirty="0"/>
+        </a:p>
+        <a:p>
+          <a:pPr marL="114300" lvl="1" indent="-114300" algn="l" defTabSz="666750">
+            <a:lnSpc>
+              <a:spcPct val="90000"/>
+            </a:lnSpc>
+            <a:spcBef>
+              <a:spcPct val="0"/>
+            </a:spcBef>
+            <a:spcAft>
+              <a:spcPct val="15000"/>
+            </a:spcAft>
+            <a:buChar char="•"/>
+          </a:pPr>
+          <a:r>
+            <a:rPr lang="en-IN" sz="1500" kern="1200" dirty="0"/>
+            <a:t>Verify Player Details</a:t>
+          </a:r>
+          <a:endParaRPr lang="en-US" sz="1500" kern="1200" dirty="0"/>
         </a:p>
       </dsp:txBody>
       <dsp:txXfrm>
-        <a:off x="0" y="344361"/>
-        <a:ext cx="8229600" cy="807975"/>
+        <a:off x="0" y="316574"/>
+        <a:ext cx="8229600" cy="1134000"/>
       </dsp:txXfrm>
     </dsp:sp>
     <dsp:sp modelId="{319D8119-6CF4-44CB-B087-4DDCFD91D553}">
@@ -3932,8 +4229,8 @@
       </dsp:nvSpPr>
       <dsp:spPr>
         <a:xfrm>
-          <a:off x="411480" y="63921"/>
-          <a:ext cx="5760720" cy="560880"/>
+          <a:off x="411480" y="95174"/>
+          <a:ext cx="5760720" cy="442800"/>
         </a:xfrm>
         <a:prstGeom prst="roundRect">
           <a:avLst/>
@@ -3979,7 +4276,7 @@
         </a:bodyPr>
         <a:lstStyle/>
         <a:p>
-          <a:pPr marL="0" lvl="0" indent="0" algn="l" defTabSz="844550">
+          <a:pPr marL="0" lvl="0" indent="0" algn="l" defTabSz="666750">
             <a:lnSpc>
               <a:spcPct val="90000"/>
             </a:lnSpc>
@@ -3992,15 +4289,15 @@
             <a:buNone/>
           </a:pPr>
           <a:r>
-            <a:rPr lang="en-IN" sz="1900" kern="1200"/>
+            <a:rPr lang="en-IN" sz="1500" kern="1200" dirty="0"/>
             <a:t>Admin</a:t>
           </a:r>
-          <a:endParaRPr lang="en-US" sz="1900" kern="1200"/>
+          <a:endParaRPr lang="en-US" sz="1500" kern="1200" dirty="0"/>
         </a:p>
       </dsp:txBody>
       <dsp:txXfrm>
-        <a:off x="438860" y="91301"/>
-        <a:ext cx="5705960" cy="506120"/>
+        <a:off x="433096" y="116790"/>
+        <a:ext cx="5717488" cy="399568"/>
       </dsp:txXfrm>
     </dsp:sp>
     <dsp:sp modelId="{64932033-C8B0-44E1-A765-9686DB65C0BF}">
@@ -4010,8 +4307,8 @@
       </dsp:nvSpPr>
       <dsp:spPr>
         <a:xfrm>
-          <a:off x="0" y="1535376"/>
-          <a:ext cx="8229600" cy="1107225"/>
+          <a:off x="0" y="1752974"/>
+          <a:ext cx="8229600" cy="874125"/>
         </a:xfrm>
         <a:prstGeom prst="rect">
           <a:avLst/>
@@ -4051,12 +4348,12 @@
         <a:fontRef idx="minor"/>
       </dsp:style>
       <dsp:txBody>
-        <a:bodyPr spcFirstLastPara="0" vert="horz" wrap="square" lIns="638708" tIns="395732" rIns="638708" bIns="135128" numCol="1" spcCol="1270" anchor="t" anchorCtr="0">
+        <a:bodyPr spcFirstLastPara="0" vert="horz" wrap="square" lIns="638708" tIns="312420" rIns="638708" bIns="106680" numCol="1" spcCol="1270" anchor="t" anchorCtr="0">
           <a:noAutofit/>
         </a:bodyPr>
         <a:lstStyle/>
         <a:p>
-          <a:pPr marL="171450" lvl="1" indent="-171450" algn="l" defTabSz="844550">
+          <a:pPr marL="114300" lvl="1" indent="-114300" algn="l" defTabSz="666750">
             <a:lnSpc>
               <a:spcPct val="90000"/>
             </a:lnSpc>
@@ -4069,13 +4366,13 @@
             <a:buChar char="•"/>
           </a:pPr>
           <a:r>
-            <a:rPr lang="en-IN" sz="1900" kern="1200" dirty="0"/>
-            <a:t>Add Players</a:t>
+            <a:rPr lang="en-IN" sz="1500" kern="1200" dirty="0"/>
+            <a:t>Invite Players</a:t>
           </a:r>
-          <a:endParaRPr lang="en-US" sz="1900" kern="1200" dirty="0"/>
+          <a:endParaRPr lang="en-US" sz="1500" kern="1200" dirty="0"/>
         </a:p>
         <a:p>
-          <a:pPr marL="171450" lvl="1" indent="-171450" algn="l" defTabSz="844550">
+          <a:pPr marL="114300" lvl="1" indent="-114300" algn="l" defTabSz="666750">
             <a:lnSpc>
               <a:spcPct val="90000"/>
             </a:lnSpc>
@@ -4088,15 +4385,15 @@
             <a:buChar char="•"/>
           </a:pPr>
           <a:r>
-            <a:rPr lang="en-IN" sz="1900" kern="1200" dirty="0"/>
+            <a:rPr lang="en-IN" sz="1500" kern="1200" dirty="0"/>
             <a:t>Register For Tournament</a:t>
           </a:r>
-          <a:endParaRPr lang="en-US" sz="1900" kern="1200" dirty="0"/>
+          <a:endParaRPr lang="en-US" sz="1500" kern="1200" dirty="0"/>
         </a:p>
       </dsp:txBody>
       <dsp:txXfrm>
-        <a:off x="0" y="1535376"/>
-        <a:ext cx="8229600" cy="1107225"/>
+        <a:off x="0" y="1752974"/>
+        <a:ext cx="8229600" cy="874125"/>
       </dsp:txXfrm>
     </dsp:sp>
     <dsp:sp modelId="{9E8443CA-0F6B-4342-9DF5-CBBB83BC424B}">
@@ -4106,8 +4403,8 @@
       </dsp:nvSpPr>
       <dsp:spPr>
         <a:xfrm>
-          <a:off x="411480" y="1254936"/>
-          <a:ext cx="5760720" cy="560880"/>
+          <a:off x="411480" y="1531574"/>
+          <a:ext cx="5760720" cy="442800"/>
         </a:xfrm>
         <a:prstGeom prst="roundRect">
           <a:avLst/>
@@ -4153,7 +4450,7 @@
         </a:bodyPr>
         <a:lstStyle/>
         <a:p>
-          <a:pPr marL="0" lvl="0" indent="0" algn="l" defTabSz="844550">
+          <a:pPr marL="0" lvl="0" indent="0" algn="l" defTabSz="666750">
             <a:lnSpc>
               <a:spcPct val="90000"/>
             </a:lnSpc>
@@ -4166,15 +4463,15 @@
             <a:buNone/>
           </a:pPr>
           <a:r>
-            <a:rPr lang="en-IN" sz="1900" kern="1200" dirty="0"/>
+            <a:rPr lang="en-IN" sz="1500" kern="1200" dirty="0"/>
             <a:t>Team Manager</a:t>
           </a:r>
-          <a:endParaRPr lang="en-US" sz="1900" kern="1200" dirty="0"/>
+          <a:endParaRPr lang="en-US" sz="1500" kern="1200" dirty="0"/>
         </a:p>
       </dsp:txBody>
       <dsp:txXfrm>
-        <a:off x="438860" y="1282316"/>
-        <a:ext cx="5705960" cy="506120"/>
+        <a:off x="433096" y="1553190"/>
+        <a:ext cx="5717488" cy="399568"/>
       </dsp:txXfrm>
     </dsp:sp>
     <dsp:sp modelId="{3DD09C45-3ACE-4EBD-A28F-F130839C72E5}">
@@ -4184,8 +4481,8 @@
       </dsp:nvSpPr>
       <dsp:spPr>
         <a:xfrm>
-          <a:off x="0" y="3025641"/>
-          <a:ext cx="8229600" cy="1436400"/>
+          <a:off x="0" y="2929499"/>
+          <a:ext cx="8229600" cy="1134000"/>
         </a:xfrm>
         <a:prstGeom prst="rect">
           <a:avLst/>
@@ -4225,12 +4522,12 @@
         <a:fontRef idx="minor"/>
       </dsp:style>
       <dsp:txBody>
-        <a:bodyPr spcFirstLastPara="0" vert="horz" wrap="square" lIns="638708" tIns="395732" rIns="638708" bIns="135128" numCol="1" spcCol="1270" anchor="t" anchorCtr="0">
+        <a:bodyPr spcFirstLastPara="0" vert="horz" wrap="square" lIns="638708" tIns="312420" rIns="638708" bIns="106680" numCol="1" spcCol="1270" anchor="t" anchorCtr="0">
           <a:noAutofit/>
         </a:bodyPr>
         <a:lstStyle/>
         <a:p>
-          <a:pPr marL="171450" lvl="1" indent="-171450" algn="l" defTabSz="844550">
+          <a:pPr marL="114300" lvl="1" indent="-114300" algn="l" defTabSz="666750">
             <a:lnSpc>
               <a:spcPct val="90000"/>
             </a:lnSpc>
@@ -4243,13 +4540,13 @@
             <a:buChar char="•"/>
           </a:pPr>
           <a:r>
-            <a:rPr lang="en-IN" sz="1900" kern="1200" dirty="0"/>
+            <a:rPr lang="en-IN" sz="1500" kern="1200" dirty="0"/>
             <a:t>Update</a:t>
           </a:r>
-          <a:endParaRPr lang="en-US" sz="1900" kern="1200" dirty="0"/>
+          <a:endParaRPr lang="en-US" sz="1500" kern="1200" dirty="0"/>
         </a:p>
         <a:p>
-          <a:pPr marL="342900" lvl="2" indent="-171450" algn="l" defTabSz="844550">
+          <a:pPr marL="228600" lvl="2" indent="-114300" algn="l" defTabSz="666750">
             <a:lnSpc>
               <a:spcPct val="90000"/>
             </a:lnSpc>
@@ -4262,13 +4559,13 @@
             <a:buChar char="•"/>
           </a:pPr>
           <a:r>
-            <a:rPr lang="en-IN" sz="1900" kern="1200" dirty="0"/>
+            <a:rPr lang="en-IN" sz="1500" kern="1200" dirty="0"/>
             <a:t>Match Result</a:t>
           </a:r>
-          <a:endParaRPr lang="en-US" sz="1900" kern="1200" dirty="0"/>
+          <a:endParaRPr lang="en-US" sz="1500" kern="1200" dirty="0"/>
         </a:p>
         <a:p>
-          <a:pPr marL="342900" lvl="2" indent="-171450" algn="l" defTabSz="844550">
+          <a:pPr marL="228600" lvl="2" indent="-114300" algn="l" defTabSz="666750">
             <a:lnSpc>
               <a:spcPct val="90000"/>
             </a:lnSpc>
@@ -4281,15 +4578,15 @@
             <a:buChar char="•"/>
           </a:pPr>
           <a:r>
-            <a:rPr lang="en-IN" sz="1900" kern="1200" dirty="0"/>
+            <a:rPr lang="en-IN" sz="1500" kern="1200" dirty="0"/>
             <a:t>Player Stats</a:t>
           </a:r>
-          <a:endParaRPr lang="en-US" sz="1900" kern="1200" dirty="0"/>
+          <a:endParaRPr lang="en-US" sz="1500" kern="1200" dirty="0"/>
         </a:p>
       </dsp:txBody>
       <dsp:txXfrm>
-        <a:off x="0" y="3025641"/>
-        <a:ext cx="8229600" cy="1436400"/>
+        <a:off x="0" y="2929499"/>
+        <a:ext cx="8229600" cy="1134000"/>
       </dsp:txXfrm>
     </dsp:sp>
     <dsp:sp modelId="{A11631EA-CC65-4AC1-A25D-B7C5B7DA54C3}">
@@ -4299,8 +4596,8 @@
       </dsp:nvSpPr>
       <dsp:spPr>
         <a:xfrm>
-          <a:off x="411480" y="2745201"/>
-          <a:ext cx="5760720" cy="560880"/>
+          <a:off x="411480" y="2708099"/>
+          <a:ext cx="5760720" cy="442800"/>
         </a:xfrm>
         <a:prstGeom prst="roundRect">
           <a:avLst/>
@@ -4346,7 +4643,7 @@
         </a:bodyPr>
         <a:lstStyle/>
         <a:p>
-          <a:pPr marL="0" lvl="0" indent="0" algn="l" defTabSz="844550">
+          <a:pPr marL="0" lvl="0" indent="0" algn="l" defTabSz="666750">
             <a:lnSpc>
               <a:spcPct val="90000"/>
             </a:lnSpc>
@@ -4359,38 +4656,122 @@
             <a:buNone/>
           </a:pPr>
           <a:r>
-            <a:rPr lang="en-IN" sz="1900" kern="1200" dirty="0"/>
+            <a:rPr lang="en-IN" sz="1500" kern="1200" dirty="0"/>
             <a:t>Score Keeper</a:t>
           </a:r>
-          <a:endParaRPr lang="en-US" sz="1900" kern="1200" dirty="0"/>
+          <a:endParaRPr lang="en-US" sz="1500" kern="1200" dirty="0"/>
         </a:p>
       </dsp:txBody>
       <dsp:txXfrm>
-        <a:off x="438860" y="2772581"/>
-        <a:ext cx="5705960" cy="506120"/>
+        <a:off x="433096" y="2729715"/>
+        <a:ext cx="5717488" cy="399568"/>
       </dsp:txXfrm>
     </dsp:sp>
-  </dsp:spTree>
-</dsp:drawing>
-</file>
-
-<file path=ppt/diagrams/drawing2.xml><?xml version="1.0" encoding="utf-8"?>
-<dsp:drawing xmlns:dgm="http://schemas.openxmlformats.org/drawingml/2006/diagram" xmlns:dsp="http://schemas.microsoft.com/office/drawing/2008/diagram" xmlns:a="http://schemas.openxmlformats.org/drawingml/2006/main">
-  <dsp:spTree>
-    <dsp:nvGrpSpPr>
-      <dsp:cNvPr id="0" name=""/>
-      <dsp:cNvGrpSpPr/>
-    </dsp:nvGrpSpPr>
-    <dsp:grpSpPr/>
-    <dsp:sp modelId="{15B6029F-5D12-464F-90B4-955EE71C518F}">
+    <dsp:sp modelId="{70D69C57-68F3-41F2-9039-33642F865750}">
       <dsp:nvSpPr>
         <dsp:cNvPr id="0" name=""/>
         <dsp:cNvSpPr/>
       </dsp:nvSpPr>
       <dsp:spPr>
         <a:xfrm>
-          <a:off x="0" y="137658"/>
-          <a:ext cx="8554418" cy="503685"/>
+          <a:off x="0" y="4365900"/>
+          <a:ext cx="8229600" cy="874125"/>
+        </a:xfrm>
+        <a:prstGeom prst="rect">
+          <a:avLst/>
+        </a:prstGeom>
+        <a:solidFill>
+          <a:schemeClr val="lt1">
+            <a:alpha val="90000"/>
+            <a:hueOff val="0"/>
+            <a:satOff val="0"/>
+            <a:lumOff val="0"/>
+            <a:alphaOff val="0"/>
+          </a:schemeClr>
+        </a:solidFill>
+        <a:ln w="25400" cap="flat" cmpd="sng" algn="ctr">
+          <a:solidFill>
+            <a:schemeClr val="accent1">
+              <a:hueOff val="0"/>
+              <a:satOff val="0"/>
+              <a:lumOff val="0"/>
+              <a:alphaOff val="0"/>
+            </a:schemeClr>
+          </a:solidFill>
+          <a:prstDash val="solid"/>
+        </a:ln>
+        <a:effectLst/>
+      </dsp:spPr>
+      <dsp:style>
+        <a:lnRef idx="2">
+          <a:scrgbClr r="0" g="0" b="0"/>
+        </a:lnRef>
+        <a:fillRef idx="1">
+          <a:scrgbClr r="0" g="0" b="0"/>
+        </a:fillRef>
+        <a:effectRef idx="0">
+          <a:scrgbClr r="0" g="0" b="0"/>
+        </a:effectRef>
+        <a:fontRef idx="minor"/>
+      </dsp:style>
+      <dsp:txBody>
+        <a:bodyPr spcFirstLastPara="0" vert="horz" wrap="square" lIns="638708" tIns="312420" rIns="638708" bIns="106680" numCol="1" spcCol="1270" anchor="t" anchorCtr="0">
+          <a:noAutofit/>
+        </a:bodyPr>
+        <a:lstStyle/>
+        <a:p>
+          <a:pPr marL="114300" lvl="1" indent="-114300" algn="l" defTabSz="666750">
+            <a:lnSpc>
+              <a:spcPct val="90000"/>
+            </a:lnSpc>
+            <a:spcBef>
+              <a:spcPct val="0"/>
+            </a:spcBef>
+            <a:spcAft>
+              <a:spcPct val="15000"/>
+            </a:spcAft>
+            <a:buChar char="•"/>
+          </a:pPr>
+          <a:r>
+            <a:rPr lang="en-IN" sz="1500" kern="1200" dirty="0"/>
+            <a:t>View Match Details</a:t>
+          </a:r>
+          <a:endParaRPr lang="en-US" sz="1500" kern="1200" dirty="0"/>
+        </a:p>
+        <a:p>
+          <a:pPr marL="114300" lvl="1" indent="-114300" algn="l" defTabSz="666750">
+            <a:lnSpc>
+              <a:spcPct val="90000"/>
+            </a:lnSpc>
+            <a:spcBef>
+              <a:spcPct val="0"/>
+            </a:spcBef>
+            <a:spcAft>
+              <a:spcPct val="15000"/>
+            </a:spcAft>
+            <a:buChar char="•"/>
+          </a:pPr>
+          <a:r>
+            <a:rPr lang="en-IN" sz="1500" kern="1200" dirty="0"/>
+            <a:t>View Lifetime Stats</a:t>
+          </a:r>
+          <a:endParaRPr lang="en-US" sz="1500" kern="1200" dirty="0"/>
+        </a:p>
+      </dsp:txBody>
+      <dsp:txXfrm>
+        <a:off x="0" y="4365900"/>
+        <a:ext cx="8229600" cy="874125"/>
+      </dsp:txXfrm>
+    </dsp:sp>
+    <dsp:sp modelId="{253A8B45-E49A-41B6-95D1-544FCD3BC51C}">
+      <dsp:nvSpPr>
+        <dsp:cNvPr id="0" name=""/>
+        <dsp:cNvSpPr/>
+      </dsp:nvSpPr>
+      <dsp:spPr>
+        <a:xfrm>
+          <a:off x="411480" y="4144500"/>
+          <a:ext cx="5760720" cy="442800"/>
         </a:xfrm>
         <a:prstGeom prst="roundRect">
           <a:avLst/>
@@ -4431,12 +4812,12 @@
         </a:fontRef>
       </dsp:style>
       <dsp:txBody>
-        <a:bodyPr spcFirstLastPara="0" vert="horz" wrap="square" lIns="80010" tIns="80010" rIns="80010" bIns="80010" numCol="1" spcCol="1270" anchor="ctr" anchorCtr="0">
+        <a:bodyPr spcFirstLastPara="0" vert="horz" wrap="square" lIns="217742" tIns="0" rIns="217742" bIns="0" numCol="1" spcCol="1270" anchor="ctr" anchorCtr="0">
           <a:noAutofit/>
         </a:bodyPr>
         <a:lstStyle/>
         <a:p>
-          <a:pPr marL="0" lvl="0" indent="0" algn="l" defTabSz="933450">
+          <a:pPr marL="0" lvl="0" indent="0" algn="l" defTabSz="666750">
             <a:lnSpc>
               <a:spcPct val="90000"/>
             </a:lnSpc>
@@ -4449,85 +4830,38 @@
             <a:buNone/>
           </a:pPr>
           <a:r>
-            <a:rPr lang="en-US" sz="2100" kern="1200" dirty="0"/>
-            <a:t>Scheduling tournament</a:t>
+            <a:rPr lang="en-IN" sz="1500" kern="1200" dirty="0"/>
+            <a:t>Player</a:t>
           </a:r>
+          <a:endParaRPr lang="en-US" sz="1500" kern="1200" dirty="0"/>
         </a:p>
       </dsp:txBody>
       <dsp:txXfrm>
-        <a:off x="24588" y="162246"/>
-        <a:ext cx="8505242" cy="454509"/>
+        <a:off x="433096" y="4166116"/>
+        <a:ext cx="5717488" cy="399568"/>
       </dsp:txXfrm>
     </dsp:sp>
-    <dsp:sp modelId="{C8DD7942-94CE-461D-B2E2-BE0B5198D02A}">
+  </dsp:spTree>
+</dsp:drawing>
+</file>
+
+<file path=ppt/diagrams/drawing2.xml><?xml version="1.0" encoding="utf-8"?>
+<dsp:drawing xmlns:dgm="http://schemas.openxmlformats.org/drawingml/2006/diagram" xmlns:dsp="http://schemas.microsoft.com/office/drawing/2008/diagram" xmlns:a="http://schemas.openxmlformats.org/drawingml/2006/main">
+  <dsp:spTree>
+    <dsp:nvGrpSpPr>
+      <dsp:cNvPr id="0" name=""/>
+      <dsp:cNvGrpSpPr/>
+    </dsp:nvGrpSpPr>
+    <dsp:grpSpPr/>
+    <dsp:sp modelId="{15B6029F-5D12-464F-90B4-955EE71C518F}">
       <dsp:nvSpPr>
         <dsp:cNvPr id="0" name=""/>
         <dsp:cNvSpPr/>
       </dsp:nvSpPr>
       <dsp:spPr>
         <a:xfrm>
-          <a:off x="0" y="641343"/>
-          <a:ext cx="8554418" cy="347760"/>
-        </a:xfrm>
-        <a:prstGeom prst="rect">
-          <a:avLst/>
-        </a:prstGeom>
-        <a:noFill/>
-        <a:ln>
-          <a:noFill/>
-        </a:ln>
-        <a:effectLst/>
-      </dsp:spPr>
-      <dsp:style>
-        <a:lnRef idx="0">
-          <a:scrgbClr r="0" g="0" b="0"/>
-        </a:lnRef>
-        <a:fillRef idx="0">
-          <a:scrgbClr r="0" g="0" b="0"/>
-        </a:fillRef>
-        <a:effectRef idx="0">
-          <a:scrgbClr r="0" g="0" b="0"/>
-        </a:effectRef>
-        <a:fontRef idx="minor"/>
-      </dsp:style>
-      <dsp:txBody>
-        <a:bodyPr spcFirstLastPara="0" vert="horz" wrap="square" lIns="271603" tIns="26670" rIns="149352" bIns="26670" numCol="1" spcCol="1270" anchor="t" anchorCtr="0">
-          <a:noAutofit/>
-        </a:bodyPr>
-        <a:lstStyle/>
-        <a:p>
-          <a:pPr marL="171450" lvl="1" indent="-171450" algn="l" defTabSz="711200">
-            <a:lnSpc>
-              <a:spcPct val="90000"/>
-            </a:lnSpc>
-            <a:spcBef>
-              <a:spcPct val="0"/>
-            </a:spcBef>
-            <a:spcAft>
-              <a:spcPct val="20000"/>
-            </a:spcAft>
-            <a:buChar char="•"/>
-          </a:pPr>
-          <a:r>
-            <a:rPr lang="en-US" sz="1600" kern="1200" dirty="0"/>
-            <a:t>Managing a tournament can be a very hard task so this software makes it simpler and faster</a:t>
-          </a:r>
-        </a:p>
-      </dsp:txBody>
-      <dsp:txXfrm>
-        <a:off x="0" y="641343"/>
-        <a:ext cx="8554418" cy="347760"/>
-      </dsp:txXfrm>
-    </dsp:sp>
-    <dsp:sp modelId="{4F2796A4-08DE-41D3-860E-F025FD84FA26}">
-      <dsp:nvSpPr>
-        <dsp:cNvPr id="0" name=""/>
-        <dsp:cNvSpPr/>
-      </dsp:nvSpPr>
-      <dsp:spPr>
-        <a:xfrm>
-          <a:off x="0" y="989103"/>
-          <a:ext cx="8554418" cy="503685"/>
+          <a:off x="0" y="35046"/>
+          <a:ext cx="8554418" cy="479700"/>
         </a:xfrm>
         <a:prstGeom prst="roundRect">
           <a:avLst/>
@@ -4568,12 +4902,12 @@
         </a:fontRef>
       </dsp:style>
       <dsp:txBody>
-        <a:bodyPr spcFirstLastPara="0" vert="horz" wrap="square" lIns="80010" tIns="80010" rIns="80010" bIns="80010" numCol="1" spcCol="1270" anchor="ctr" anchorCtr="0">
+        <a:bodyPr spcFirstLastPara="0" vert="horz" wrap="square" lIns="76200" tIns="76200" rIns="76200" bIns="76200" numCol="1" spcCol="1270" anchor="ctr" anchorCtr="0">
           <a:noAutofit/>
         </a:bodyPr>
         <a:lstStyle/>
         <a:p>
-          <a:pPr marL="0" lvl="0" indent="0" algn="l" defTabSz="933450">
+          <a:pPr marL="0" lvl="0" indent="0" algn="l" defTabSz="889000">
             <a:lnSpc>
               <a:spcPct val="90000"/>
             </a:lnSpc>
@@ -4586,25 +4920,25 @@
             <a:buNone/>
           </a:pPr>
           <a:r>
-            <a:rPr lang="en-US" sz="2100" kern="1200" dirty="0"/>
-            <a:t>Registering players</a:t>
+            <a:rPr lang="en-US" sz="2000" kern="1200" dirty="0"/>
+            <a:t>Scheduling tournament</a:t>
           </a:r>
         </a:p>
       </dsp:txBody>
       <dsp:txXfrm>
-        <a:off x="24588" y="1013691"/>
-        <a:ext cx="8505242" cy="454509"/>
+        <a:off x="23417" y="58463"/>
+        <a:ext cx="8507584" cy="432866"/>
       </dsp:txXfrm>
     </dsp:sp>
-    <dsp:sp modelId="{46044C67-42D7-4784-B9D3-334D9D6D954D}">
+    <dsp:sp modelId="{C8DD7942-94CE-461D-B2E2-BE0B5198D02A}">
       <dsp:nvSpPr>
         <dsp:cNvPr id="0" name=""/>
         <dsp:cNvSpPr/>
       </dsp:nvSpPr>
       <dsp:spPr>
         <a:xfrm>
-          <a:off x="0" y="1492788"/>
-          <a:ext cx="8554418" cy="554242"/>
+          <a:off x="0" y="514746"/>
+          <a:ext cx="8554418" cy="331200"/>
         </a:xfrm>
         <a:prstGeom prst="rect">
           <a:avLst/>
@@ -4628,7 +4962,144 @@
         <a:fontRef idx="minor"/>
       </dsp:style>
       <dsp:txBody>
-        <a:bodyPr spcFirstLastPara="0" vert="horz" wrap="square" lIns="271603" tIns="26670" rIns="149352" bIns="26670" numCol="1" spcCol="1270" anchor="t" anchorCtr="0">
+        <a:bodyPr spcFirstLastPara="0" vert="horz" wrap="square" lIns="271603" tIns="25400" rIns="142240" bIns="25400" numCol="1" spcCol="1270" anchor="t" anchorCtr="0">
+          <a:noAutofit/>
+        </a:bodyPr>
+        <a:lstStyle/>
+        <a:p>
+          <a:pPr marL="171450" lvl="1" indent="-171450" algn="l" defTabSz="711200">
+            <a:lnSpc>
+              <a:spcPct val="90000"/>
+            </a:lnSpc>
+            <a:spcBef>
+              <a:spcPct val="0"/>
+            </a:spcBef>
+            <a:spcAft>
+              <a:spcPct val="20000"/>
+            </a:spcAft>
+            <a:buChar char="•"/>
+          </a:pPr>
+          <a:r>
+            <a:rPr lang="en-US" sz="1600" kern="1200" dirty="0"/>
+            <a:t>Managing a tournament can be a very hard task so this software makes it simpler and faster</a:t>
+          </a:r>
+        </a:p>
+      </dsp:txBody>
+      <dsp:txXfrm>
+        <a:off x="0" y="514746"/>
+        <a:ext cx="8554418" cy="331200"/>
+      </dsp:txXfrm>
+    </dsp:sp>
+    <dsp:sp modelId="{4F2796A4-08DE-41D3-860E-F025FD84FA26}">
+      <dsp:nvSpPr>
+        <dsp:cNvPr id="0" name=""/>
+        <dsp:cNvSpPr/>
+      </dsp:nvSpPr>
+      <dsp:spPr>
+        <a:xfrm>
+          <a:off x="0" y="845946"/>
+          <a:ext cx="8554418" cy="479700"/>
+        </a:xfrm>
+        <a:prstGeom prst="roundRect">
+          <a:avLst/>
+        </a:prstGeom>
+        <a:solidFill>
+          <a:schemeClr val="accent1">
+            <a:hueOff val="0"/>
+            <a:satOff val="0"/>
+            <a:lumOff val="0"/>
+            <a:alphaOff val="0"/>
+          </a:schemeClr>
+        </a:solidFill>
+        <a:ln w="25400" cap="flat" cmpd="sng" algn="ctr">
+          <a:solidFill>
+            <a:schemeClr val="lt1">
+              <a:hueOff val="0"/>
+              <a:satOff val="0"/>
+              <a:lumOff val="0"/>
+              <a:alphaOff val="0"/>
+            </a:schemeClr>
+          </a:solidFill>
+          <a:prstDash val="solid"/>
+        </a:ln>
+        <a:effectLst/>
+      </dsp:spPr>
+      <dsp:style>
+        <a:lnRef idx="2">
+          <a:scrgbClr r="0" g="0" b="0"/>
+        </a:lnRef>
+        <a:fillRef idx="1">
+          <a:scrgbClr r="0" g="0" b="0"/>
+        </a:fillRef>
+        <a:effectRef idx="0">
+          <a:scrgbClr r="0" g="0" b="0"/>
+        </a:effectRef>
+        <a:fontRef idx="minor">
+          <a:schemeClr val="lt1"/>
+        </a:fontRef>
+      </dsp:style>
+      <dsp:txBody>
+        <a:bodyPr spcFirstLastPara="0" vert="horz" wrap="square" lIns="76200" tIns="76200" rIns="76200" bIns="76200" numCol="1" spcCol="1270" anchor="ctr" anchorCtr="0">
+          <a:noAutofit/>
+        </a:bodyPr>
+        <a:lstStyle/>
+        <a:p>
+          <a:pPr marL="0" lvl="0" indent="0" algn="l" defTabSz="889000">
+            <a:lnSpc>
+              <a:spcPct val="90000"/>
+            </a:lnSpc>
+            <a:spcBef>
+              <a:spcPct val="0"/>
+            </a:spcBef>
+            <a:spcAft>
+              <a:spcPct val="35000"/>
+            </a:spcAft>
+            <a:buNone/>
+          </a:pPr>
+          <a:r>
+            <a:rPr lang="en-US" sz="2000" kern="1200" dirty="0"/>
+            <a:t>Registering players</a:t>
+          </a:r>
+        </a:p>
+      </dsp:txBody>
+      <dsp:txXfrm>
+        <a:off x="23417" y="869363"/>
+        <a:ext cx="8507584" cy="432866"/>
+      </dsp:txXfrm>
+    </dsp:sp>
+    <dsp:sp modelId="{46044C67-42D7-4784-B9D3-334D9D6D954D}">
+      <dsp:nvSpPr>
+        <dsp:cNvPr id="0" name=""/>
+        <dsp:cNvSpPr/>
+      </dsp:nvSpPr>
+      <dsp:spPr>
+        <a:xfrm>
+          <a:off x="0" y="1325647"/>
+          <a:ext cx="8554418" cy="548550"/>
+        </a:xfrm>
+        <a:prstGeom prst="rect">
+          <a:avLst/>
+        </a:prstGeom>
+        <a:noFill/>
+        <a:ln>
+          <a:noFill/>
+        </a:ln>
+        <a:effectLst/>
+      </dsp:spPr>
+      <dsp:style>
+        <a:lnRef idx="0">
+          <a:scrgbClr r="0" g="0" b="0"/>
+        </a:lnRef>
+        <a:fillRef idx="0">
+          <a:scrgbClr r="0" g="0" b="0"/>
+        </a:fillRef>
+        <a:effectRef idx="0">
+          <a:scrgbClr r="0" g="0" b="0"/>
+        </a:effectRef>
+        <a:fontRef idx="minor"/>
+      </dsp:style>
+      <dsp:txBody>
+        <a:bodyPr spcFirstLastPara="0" vert="horz" wrap="square" lIns="271603" tIns="25400" rIns="142240" bIns="25400" numCol="1" spcCol="1270" anchor="t" anchorCtr="0">
           <a:noAutofit/>
         </a:bodyPr>
         <a:lstStyle/>
@@ -4675,8 +5146,8 @@
         </a:p>
       </dsp:txBody>
       <dsp:txXfrm>
-        <a:off x="0" y="1492788"/>
-        <a:ext cx="8554418" cy="554242"/>
+        <a:off x="0" y="1325647"/>
+        <a:ext cx="8554418" cy="548550"/>
       </dsp:txXfrm>
     </dsp:sp>
     <dsp:sp modelId="{9D1B1293-A79E-4206-A0AA-15A2FA262410}">
@@ -4686,8 +5157,8 @@
       </dsp:nvSpPr>
       <dsp:spPr>
         <a:xfrm>
-          <a:off x="0" y="2047030"/>
-          <a:ext cx="8554418" cy="503685"/>
+          <a:off x="0" y="1874197"/>
+          <a:ext cx="8554418" cy="479700"/>
         </a:xfrm>
         <a:prstGeom prst="roundRect">
           <a:avLst/>
@@ -4728,12 +5199,12 @@
         </a:fontRef>
       </dsp:style>
       <dsp:txBody>
-        <a:bodyPr spcFirstLastPara="0" vert="horz" wrap="square" lIns="80010" tIns="80010" rIns="80010" bIns="80010" numCol="1" spcCol="1270" anchor="ctr" anchorCtr="0">
+        <a:bodyPr spcFirstLastPara="0" vert="horz" wrap="square" lIns="76200" tIns="76200" rIns="76200" bIns="76200" numCol="1" spcCol="1270" anchor="ctr" anchorCtr="0">
           <a:noAutofit/>
         </a:bodyPr>
         <a:lstStyle/>
         <a:p>
-          <a:pPr marL="0" lvl="0" indent="0" algn="l" defTabSz="933450">
+          <a:pPr marL="0" lvl="0" indent="0" algn="l" defTabSz="889000">
             <a:lnSpc>
               <a:spcPct val="90000"/>
             </a:lnSpc>
@@ -4746,14 +5217,14 @@
             <a:buNone/>
           </a:pPr>
           <a:r>
-            <a:rPr lang="en-US" sz="2100" kern="1200" dirty="0"/>
+            <a:rPr lang="en-US" sz="2000" kern="1200" dirty="0"/>
             <a:t>Checking availability</a:t>
           </a:r>
         </a:p>
       </dsp:txBody>
       <dsp:txXfrm>
-        <a:off x="24588" y="2071618"/>
-        <a:ext cx="8505242" cy="454509"/>
+        <a:off x="23417" y="1897614"/>
+        <a:ext cx="8507584" cy="432866"/>
       </dsp:txXfrm>
     </dsp:sp>
     <dsp:sp modelId="{1F0C5244-AF05-416E-928B-86C6249BCFA5}">
@@ -4763,8 +5234,8 @@
       </dsp:nvSpPr>
       <dsp:spPr>
         <a:xfrm>
-          <a:off x="0" y="2550715"/>
-          <a:ext cx="8554418" cy="825930"/>
+          <a:off x="0" y="2353896"/>
+          <a:ext cx="8554418" cy="331200"/>
         </a:xfrm>
         <a:prstGeom prst="rect">
           <a:avLst/>
@@ -4788,7 +5259,7 @@
         <a:fontRef idx="minor"/>
       </dsp:style>
       <dsp:txBody>
-        <a:bodyPr spcFirstLastPara="0" vert="horz" wrap="square" lIns="271603" tIns="26670" rIns="149352" bIns="26670" numCol="1" spcCol="1270" anchor="t" anchorCtr="0">
+        <a:bodyPr spcFirstLastPara="0" vert="horz" wrap="square" lIns="271603" tIns="25400" rIns="142240" bIns="25400" numCol="1" spcCol="1270" anchor="t" anchorCtr="0">
           <a:noAutofit/>
         </a:bodyPr>
         <a:lstStyle/>
@@ -4810,46 +5281,10 @@
             <a:t>Shows the team manager the upcoming tournament</a:t>
           </a:r>
         </a:p>
-        <a:p>
-          <a:pPr marL="342900" lvl="2" indent="-171450" algn="l" defTabSz="711200">
-            <a:lnSpc>
-              <a:spcPct val="90000"/>
-            </a:lnSpc>
-            <a:spcBef>
-              <a:spcPct val="0"/>
-            </a:spcBef>
-            <a:spcAft>
-              <a:spcPct val="20000"/>
-            </a:spcAft>
-            <a:buChar char="•"/>
-          </a:pPr>
-          <a:r>
-            <a:rPr lang="en-US" sz="1600" kern="1200" dirty="0"/>
-            <a:t>The manager still needs to remember if he has already registered or not </a:t>
-          </a:r>
-        </a:p>
-        <a:p>
-          <a:pPr marL="514350" lvl="3" indent="-171450" algn="l" defTabSz="711200">
-            <a:lnSpc>
-              <a:spcPct val="90000"/>
-            </a:lnSpc>
-            <a:spcBef>
-              <a:spcPct val="0"/>
-            </a:spcBef>
-            <a:spcAft>
-              <a:spcPct val="20000"/>
-            </a:spcAft>
-            <a:buChar char="•"/>
-          </a:pPr>
-          <a:r>
-            <a:rPr lang="en-US" sz="1600" kern="1200" dirty="0"/>
-            <a:t>Might implement later on if we still have time</a:t>
-          </a:r>
-        </a:p>
       </dsp:txBody>
       <dsp:txXfrm>
-        <a:off x="0" y="2550715"/>
-        <a:ext cx="8554418" cy="825930"/>
+        <a:off x="0" y="2353896"/>
+        <a:ext cx="8554418" cy="331200"/>
       </dsp:txXfrm>
     </dsp:sp>
     <dsp:sp modelId="{B2F107DA-1AA0-4AC2-B3DC-0751FFE77869}">
@@ -4859,8 +5294,8 @@
       </dsp:nvSpPr>
       <dsp:spPr>
         <a:xfrm>
-          <a:off x="0" y="3376645"/>
-          <a:ext cx="8554418" cy="503685"/>
+          <a:off x="0" y="2685097"/>
+          <a:ext cx="8554418" cy="479700"/>
         </a:xfrm>
         <a:prstGeom prst="roundRect">
           <a:avLst/>
@@ -4901,12 +5336,12 @@
         </a:fontRef>
       </dsp:style>
       <dsp:txBody>
-        <a:bodyPr spcFirstLastPara="0" vert="horz" wrap="square" lIns="80010" tIns="80010" rIns="80010" bIns="80010" numCol="1" spcCol="1270" anchor="ctr" anchorCtr="0">
+        <a:bodyPr spcFirstLastPara="0" vert="horz" wrap="square" lIns="76200" tIns="76200" rIns="76200" bIns="76200" numCol="1" spcCol="1270" anchor="ctr" anchorCtr="0">
           <a:noAutofit/>
         </a:bodyPr>
         <a:lstStyle/>
         <a:p>
-          <a:pPr marL="0" lvl="0" indent="0" algn="l" defTabSz="933450">
+          <a:pPr marL="0" lvl="0" indent="0" algn="l" defTabSz="889000">
             <a:lnSpc>
               <a:spcPct val="90000"/>
             </a:lnSpc>
@@ -4919,14 +5354,14 @@
             <a:buNone/>
           </a:pPr>
           <a:r>
-            <a:rPr lang="en-US" sz="2100" kern="1200" dirty="0"/>
+            <a:rPr lang="en-US" sz="2000" kern="1200" dirty="0"/>
             <a:t>Recording history &amp; player stats</a:t>
           </a:r>
         </a:p>
       </dsp:txBody>
       <dsp:txXfrm>
-        <a:off x="24588" y="3401233"/>
-        <a:ext cx="8505242" cy="454509"/>
+        <a:off x="23417" y="2708514"/>
+        <a:ext cx="8507584" cy="432866"/>
       </dsp:txXfrm>
     </dsp:sp>
     <dsp:sp modelId="{05BFBEB4-D5C0-4C85-BEA2-03D8D2872CFB}">
@@ -4936,8 +5371,8 @@
       </dsp:nvSpPr>
       <dsp:spPr>
         <a:xfrm>
-          <a:off x="0" y="3880330"/>
-          <a:ext cx="8554418" cy="499904"/>
+          <a:off x="0" y="3164797"/>
+          <a:ext cx="8554418" cy="507150"/>
         </a:xfrm>
         <a:prstGeom prst="rect">
           <a:avLst/>
@@ -4961,7 +5396,7 @@
         <a:fontRef idx="minor"/>
       </dsp:style>
       <dsp:txBody>
-        <a:bodyPr spcFirstLastPara="0" vert="horz" wrap="square" lIns="271603" tIns="26670" rIns="149352" bIns="26670" numCol="1" spcCol="1270" anchor="t" anchorCtr="0">
+        <a:bodyPr spcFirstLastPara="0" vert="horz" wrap="square" lIns="271603" tIns="25400" rIns="142240" bIns="25400" numCol="1" spcCol="1270" anchor="t" anchorCtr="0">
           <a:noAutofit/>
         </a:bodyPr>
         <a:lstStyle/>
@@ -4985,8 +5420,147 @@
         </a:p>
       </dsp:txBody>
       <dsp:txXfrm>
-        <a:off x="0" y="3880330"/>
-        <a:ext cx="8554418" cy="499904"/>
+        <a:off x="0" y="3164797"/>
+        <a:ext cx="8554418" cy="507150"/>
+      </dsp:txXfrm>
+    </dsp:sp>
+    <dsp:sp modelId="{7F990AEB-D79B-4782-88F8-37CF207D42C4}">
+      <dsp:nvSpPr>
+        <dsp:cNvPr id="0" name=""/>
+        <dsp:cNvSpPr/>
+      </dsp:nvSpPr>
+      <dsp:spPr>
+        <a:xfrm>
+          <a:off x="0" y="3671947"/>
+          <a:ext cx="8554418" cy="479700"/>
+        </a:xfrm>
+        <a:prstGeom prst="roundRect">
+          <a:avLst/>
+        </a:prstGeom>
+        <a:solidFill>
+          <a:schemeClr val="accent1">
+            <a:hueOff val="0"/>
+            <a:satOff val="0"/>
+            <a:lumOff val="0"/>
+            <a:alphaOff val="0"/>
+          </a:schemeClr>
+        </a:solidFill>
+        <a:ln w="25400" cap="flat" cmpd="sng" algn="ctr">
+          <a:solidFill>
+            <a:schemeClr val="lt1">
+              <a:hueOff val="0"/>
+              <a:satOff val="0"/>
+              <a:lumOff val="0"/>
+              <a:alphaOff val="0"/>
+            </a:schemeClr>
+          </a:solidFill>
+          <a:prstDash val="solid"/>
+        </a:ln>
+        <a:effectLst/>
+      </dsp:spPr>
+      <dsp:style>
+        <a:lnRef idx="2">
+          <a:scrgbClr r="0" g="0" b="0"/>
+        </a:lnRef>
+        <a:fillRef idx="1">
+          <a:scrgbClr r="0" g="0" b="0"/>
+        </a:fillRef>
+        <a:effectRef idx="0">
+          <a:scrgbClr r="0" g="0" b="0"/>
+        </a:effectRef>
+        <a:fontRef idx="minor">
+          <a:schemeClr val="lt1"/>
+        </a:fontRef>
+      </dsp:style>
+      <dsp:txBody>
+        <a:bodyPr spcFirstLastPara="0" vert="horz" wrap="square" lIns="76200" tIns="76200" rIns="76200" bIns="76200" numCol="1" spcCol="1270" anchor="ctr" anchorCtr="0">
+          <a:noAutofit/>
+        </a:bodyPr>
+        <a:lstStyle/>
+        <a:p>
+          <a:pPr marL="0" lvl="0" indent="0" algn="l" defTabSz="889000">
+            <a:lnSpc>
+              <a:spcPct val="90000"/>
+            </a:lnSpc>
+            <a:spcBef>
+              <a:spcPct val="0"/>
+            </a:spcBef>
+            <a:spcAft>
+              <a:spcPct val="35000"/>
+            </a:spcAft>
+            <a:buNone/>
+          </a:pPr>
+          <a:r>
+            <a:rPr lang="en-IN" sz="2000" kern="1200" dirty="0"/>
+            <a:t>Handling security</a:t>
+          </a:r>
+          <a:endParaRPr lang="en-US" sz="2000" kern="1200" dirty="0"/>
+        </a:p>
+      </dsp:txBody>
+      <dsp:txXfrm>
+        <a:off x="23417" y="3695364"/>
+        <a:ext cx="8507584" cy="432866"/>
+      </dsp:txXfrm>
+    </dsp:sp>
+    <dsp:sp modelId="{FD38EA82-E351-454C-B5AB-27B663D07E85}">
+      <dsp:nvSpPr>
+        <dsp:cNvPr id="0" name=""/>
+        <dsp:cNvSpPr/>
+      </dsp:nvSpPr>
+      <dsp:spPr>
+        <a:xfrm>
+          <a:off x="0" y="4151647"/>
+          <a:ext cx="8554418" cy="331200"/>
+        </a:xfrm>
+        <a:prstGeom prst="rect">
+          <a:avLst/>
+        </a:prstGeom>
+        <a:noFill/>
+        <a:ln>
+          <a:noFill/>
+        </a:ln>
+        <a:effectLst/>
+      </dsp:spPr>
+      <dsp:style>
+        <a:lnRef idx="0">
+          <a:scrgbClr r="0" g="0" b="0"/>
+        </a:lnRef>
+        <a:fillRef idx="0">
+          <a:scrgbClr r="0" g="0" b="0"/>
+        </a:fillRef>
+        <a:effectRef idx="0">
+          <a:scrgbClr r="0" g="0" b="0"/>
+        </a:effectRef>
+        <a:fontRef idx="minor"/>
+      </dsp:style>
+      <dsp:txBody>
+        <a:bodyPr spcFirstLastPara="0" vert="horz" wrap="square" lIns="271603" tIns="25400" rIns="142240" bIns="25400" numCol="1" spcCol="1270" anchor="t" anchorCtr="0">
+          <a:noAutofit/>
+        </a:bodyPr>
+        <a:lstStyle/>
+        <a:p>
+          <a:pPr marL="171450" lvl="1" indent="-171450" algn="l" defTabSz="711200">
+            <a:lnSpc>
+              <a:spcPct val="90000"/>
+            </a:lnSpc>
+            <a:spcBef>
+              <a:spcPct val="0"/>
+            </a:spcBef>
+            <a:spcAft>
+              <a:spcPct val="20000"/>
+            </a:spcAft>
+            <a:buChar char="•"/>
+          </a:pPr>
+          <a:r>
+            <a:rPr lang="en-IN" sz="1600" kern="1200" dirty="0"/>
+            <a:t>Admins verify players, create tournaments, assign accounts for score keeper</a:t>
+          </a:r>
+          <a:endParaRPr lang="en-US" sz="1600" kern="1200" dirty="0"/>
+        </a:p>
+      </dsp:txBody>
+      <dsp:txXfrm>
+        <a:off x="0" y="4151647"/>
+        <a:ext cx="8554418" cy="331200"/>
       </dsp:txXfrm>
     </dsp:sp>
   </dsp:spTree>
@@ -5147,9 +5721,10 @@
             <a:buChar char="•"/>
           </a:pPr>
           <a:r>
-            <a:rPr lang="en-US" sz="2500" kern="1200"/>
+            <a:rPr lang="en-US" sz="2500" kern="1200" dirty="0" err="1"/>
             <a:t>MySql</a:t>
           </a:r>
+          <a:endParaRPr lang="en-US" sz="2500" kern="1200" dirty="0"/>
         </a:p>
       </dsp:txBody>
       <dsp:txXfrm>
@@ -9124,7 +9699,7 @@
               <a:pPr>
                 <a:defRPr/>
               </a:pPr>
-              <a:t>11/26/2021</a:t>
+              <a:t>12/13/2021</a:t>
             </a:fld>
             <a:endParaRPr lang="en-US"/>
           </a:p>
@@ -11284,7 +11859,7 @@
               <a:pPr>
                 <a:defRPr/>
               </a:pPr>
-              <a:t>11/26/2021</a:t>
+              <a:t>12/13/2021</a:t>
             </a:fld>
             <a:endParaRPr lang="en-US"/>
           </a:p>
@@ -11722,7 +12297,7 @@
               <a:pPr>
                 <a:defRPr/>
               </a:pPr>
-              <a:t>11/26/2021</a:t>
+              <a:t>12/13/2021</a:t>
             </a:fld>
             <a:endParaRPr lang="en-US"/>
           </a:p>
@@ -12012,7 +12587,7 @@
               <a:pPr>
                 <a:defRPr/>
               </a:pPr>
-              <a:t>11/26/2021</a:t>
+              <a:t>12/13/2021</a:t>
             </a:fld>
             <a:endParaRPr lang="en-US"/>
           </a:p>
@@ -12286,7 +12861,7 @@
               <a:pPr>
                 <a:defRPr/>
               </a:pPr>
-              <a:t>11/26/2021</a:t>
+              <a:t>12/13/2021</a:t>
             </a:fld>
             <a:endParaRPr lang="en-US"/>
           </a:p>
@@ -12695,7 +13270,7 @@
               <a:pPr>
                 <a:defRPr/>
               </a:pPr>
-              <a:t>11/26/2021</a:t>
+              <a:t>12/13/2021</a:t>
             </a:fld>
             <a:endParaRPr lang="en-US"/>
           </a:p>
@@ -12857,7 +13432,7 @@
               <a:pPr>
                 <a:defRPr/>
               </a:pPr>
-              <a:t>11/26/2021</a:t>
+              <a:t>12/13/2021</a:t>
             </a:fld>
             <a:endParaRPr lang="en-US"/>
           </a:p>
@@ -12997,7 +13572,7 @@
               <a:pPr>
                 <a:defRPr/>
               </a:pPr>
-              <a:t>11/26/2021</a:t>
+              <a:t>12/13/2021</a:t>
             </a:fld>
             <a:endParaRPr lang="en-US"/>
           </a:p>
@@ -13317,7 +13892,7 @@
               <a:pPr>
                 <a:defRPr/>
               </a:pPr>
-              <a:t>11/26/2021</a:t>
+              <a:t>12/13/2021</a:t>
             </a:fld>
             <a:endParaRPr lang="en-US"/>
           </a:p>
@@ -13617,7 +14192,7 @@
               <a:pPr>
                 <a:defRPr/>
               </a:pPr>
-              <a:t>11/26/2021</a:t>
+              <a:t>12/13/2021</a:t>
             </a:fld>
             <a:endParaRPr lang="en-US"/>
           </a:p>
@@ -13830,7 +14405,7 @@
               <a:pPr>
                 <a:defRPr/>
               </a:pPr>
-              <a:t>11/26/2021</a:t>
+              <a:t>12/13/2021</a:t>
             </a:fld>
             <a:endParaRPr lang="en-US"/>
           </a:p>
@@ -14053,7 +14628,7 @@
               <a:pPr>
                 <a:defRPr/>
               </a:pPr>
-              <a:t>11/26/2021</a:t>
+              <a:t>12/13/2021</a:t>
             </a:fld>
             <a:endParaRPr lang="en-US"/>
           </a:p>
@@ -14610,7 +15185,7 @@
               <a:pPr>
                 <a:defRPr/>
               </a:pPr>
-              <a:t>11/26/2021</a:t>
+              <a:t>12/13/2021</a:t>
             </a:fld>
             <a:endParaRPr lang="en-US"/>
           </a:p>
@@ -14823,7 +15398,7 @@
               <a:pPr>
                 <a:defRPr/>
               </a:pPr>
-              <a:t>11/26/2021</a:t>
+              <a:t>12/13/2021</a:t>
             </a:fld>
             <a:endParaRPr lang="en-US"/>
           </a:p>
@@ -15113,7 +15688,7 @@
               <a:pPr>
                 <a:defRPr/>
               </a:pPr>
-              <a:t>11/26/2021</a:t>
+              <a:t>12/13/2021</a:t>
             </a:fld>
             <a:endParaRPr lang="en-US"/>
           </a:p>
@@ -15387,7 +15962,7 @@
               <a:pPr>
                 <a:defRPr/>
               </a:pPr>
-              <a:t>11/26/2021</a:t>
+              <a:t>12/13/2021</a:t>
             </a:fld>
             <a:endParaRPr lang="en-US"/>
           </a:p>
@@ -15796,7 +16371,7 @@
               <a:pPr>
                 <a:defRPr/>
               </a:pPr>
-              <a:t>11/26/2021</a:t>
+              <a:t>12/13/2021</a:t>
             </a:fld>
             <a:endParaRPr lang="en-US"/>
           </a:p>
@@ -15958,7 +16533,7 @@
               <a:pPr>
                 <a:defRPr/>
               </a:pPr>
-              <a:t>11/26/2021</a:t>
+              <a:t>12/13/2021</a:t>
             </a:fld>
             <a:endParaRPr lang="en-US"/>
           </a:p>
@@ -16098,7 +16673,7 @@
               <a:pPr>
                 <a:defRPr/>
               </a:pPr>
-              <a:t>11/26/2021</a:t>
+              <a:t>12/13/2021</a:t>
             </a:fld>
             <a:endParaRPr lang="en-US"/>
           </a:p>
@@ -16418,7 +16993,7 @@
               <a:pPr>
                 <a:defRPr/>
               </a:pPr>
-              <a:t>11/26/2021</a:t>
+              <a:t>12/13/2021</a:t>
             </a:fld>
             <a:endParaRPr lang="en-US"/>
           </a:p>
@@ -16718,7 +17293,7 @@
               <a:pPr>
                 <a:defRPr/>
               </a:pPr>
-              <a:t>11/26/2021</a:t>
+              <a:t>12/13/2021</a:t>
             </a:fld>
             <a:endParaRPr lang="en-US"/>
           </a:p>
@@ -16931,7 +17506,7 @@
               <a:pPr>
                 <a:defRPr/>
               </a:pPr>
-              <a:t>11/26/2021</a:t>
+              <a:t>12/13/2021</a:t>
             </a:fld>
             <a:endParaRPr lang="en-US"/>
           </a:p>
@@ -17526,7 +18101,7 @@
               <a:pPr>
                 <a:defRPr/>
               </a:pPr>
-              <a:t>11/26/2021</a:t>
+              <a:t>12/13/2021</a:t>
             </a:fld>
             <a:endParaRPr lang="en-US"/>
           </a:p>
@@ -17761,7 +18336,7 @@
               <a:pPr>
                 <a:defRPr/>
               </a:pPr>
-              <a:t>11/26/2021</a:t>
+              <a:t>12/13/2021</a:t>
             </a:fld>
             <a:endParaRPr lang="en-US"/>
           </a:p>
@@ -17974,7 +18549,7 @@
               <a:pPr>
                 <a:defRPr/>
               </a:pPr>
-              <a:t>11/26/2021</a:t>
+              <a:t>12/13/2021</a:t>
             </a:fld>
             <a:endParaRPr lang="en-US"/>
           </a:p>
@@ -18264,7 +18839,7 @@
               <a:pPr>
                 <a:defRPr/>
               </a:pPr>
-              <a:t>11/26/2021</a:t>
+              <a:t>12/13/2021</a:t>
             </a:fld>
             <a:endParaRPr lang="en-US"/>
           </a:p>
@@ -18538,7 +19113,7 @@
               <a:pPr>
                 <a:defRPr/>
               </a:pPr>
-              <a:t>11/26/2021</a:t>
+              <a:t>12/13/2021</a:t>
             </a:fld>
             <a:endParaRPr lang="en-US"/>
           </a:p>
@@ -18947,7 +19522,7 @@
               <a:pPr>
                 <a:defRPr/>
               </a:pPr>
-              <a:t>11/26/2021</a:t>
+              <a:t>12/13/2021</a:t>
             </a:fld>
             <a:endParaRPr lang="en-US"/>
           </a:p>
@@ -19109,7 +19684,7 @@
               <a:pPr>
                 <a:defRPr/>
               </a:pPr>
-              <a:t>11/26/2021</a:t>
+              <a:t>12/13/2021</a:t>
             </a:fld>
             <a:endParaRPr lang="en-US"/>
           </a:p>
@@ -19249,7 +19824,7 @@
               <a:pPr>
                 <a:defRPr/>
               </a:pPr>
-              <a:t>11/26/2021</a:t>
+              <a:t>12/13/2021</a:t>
             </a:fld>
             <a:endParaRPr lang="en-US"/>
           </a:p>
@@ -19569,7 +20144,7 @@
               <a:pPr>
                 <a:defRPr/>
               </a:pPr>
-              <a:t>11/26/2021</a:t>
+              <a:t>12/13/2021</a:t>
             </a:fld>
             <a:endParaRPr lang="en-US"/>
           </a:p>
@@ -19869,7 +20444,7 @@
               <a:pPr>
                 <a:defRPr/>
               </a:pPr>
-              <a:t>11/26/2021</a:t>
+              <a:t>12/13/2021</a:t>
             </a:fld>
             <a:endParaRPr lang="en-US"/>
           </a:p>
@@ -20594,7 +21169,7 @@
               <a:pPr>
                 <a:defRPr/>
               </a:pPr>
-              <a:t>11/26/2021</a:t>
+              <a:t>12/13/2021</a:t>
             </a:fld>
             <a:endParaRPr lang="en-US"/>
           </a:p>
@@ -20817,7 +21392,7 @@
               <a:pPr>
                 <a:defRPr/>
               </a:pPr>
-              <a:t>11/26/2021</a:t>
+              <a:t>12/13/2021</a:t>
             </a:fld>
             <a:endParaRPr lang="en-US"/>
           </a:p>
@@ -21060,7 +21635,7 @@
               <a:pPr>
                 <a:defRPr/>
               </a:pPr>
-              <a:t>26-11-2021</a:t>
+              <a:t>13-12-2021</a:t>
             </a:fld>
             <a:endParaRPr lang="en-IN"/>
           </a:p>
@@ -21291,7 +21866,7 @@
               <a:pPr>
                 <a:defRPr/>
               </a:pPr>
-              <a:t>26-11-2021</a:t>
+              <a:t>13-12-2021</a:t>
             </a:fld>
             <a:endParaRPr lang="en-IN"/>
           </a:p>
@@ -21588,7 +22163,7 @@
               <a:pPr>
                 <a:defRPr/>
               </a:pPr>
-              <a:t>26-11-2021</a:t>
+              <a:t>13-12-2021</a:t>
             </a:fld>
             <a:endParaRPr lang="en-IN"/>
           </a:p>
@@ -21879,7 +22454,7 @@
               <a:pPr>
                 <a:defRPr/>
               </a:pPr>
-              <a:t>26-11-2021</a:t>
+              <a:t>13-12-2021</a:t>
             </a:fld>
             <a:endParaRPr lang="en-IN"/>
           </a:p>
@@ -22306,7 +22881,7 @@
               <a:pPr>
                 <a:defRPr/>
               </a:pPr>
-              <a:t>26-11-2021</a:t>
+              <a:t>13-12-2021</a:t>
             </a:fld>
             <a:endParaRPr lang="en-IN"/>
           </a:p>
@@ -22477,7 +23052,7 @@
               <a:pPr>
                 <a:defRPr/>
               </a:pPr>
-              <a:t>26-11-2021</a:t>
+              <a:t>13-12-2021</a:t>
             </a:fld>
             <a:endParaRPr lang="en-IN"/>
           </a:p>
@@ -22617,7 +23192,7 @@
               <a:pPr>
                 <a:defRPr/>
               </a:pPr>
-              <a:t>26-11-2021</a:t>
+              <a:t>13-12-2021</a:t>
             </a:fld>
             <a:endParaRPr lang="en-IN"/>
           </a:p>
@@ -22948,7 +23523,7 @@
               <a:pPr>
                 <a:defRPr/>
               </a:pPr>
-              <a:t>26-11-2021</a:t>
+              <a:t>13-12-2021</a:t>
             </a:fld>
             <a:endParaRPr lang="en-IN"/>
           </a:p>
@@ -23452,7 +24027,7 @@
               <a:pPr>
                 <a:defRPr/>
               </a:pPr>
-              <a:t>26-11-2021</a:t>
+              <a:t>13-12-2021</a:t>
             </a:fld>
             <a:endParaRPr lang="en-IN"/>
           </a:p>
@@ -23683,7 +24258,7 @@
               <a:pPr>
                 <a:defRPr/>
               </a:pPr>
-              <a:t>26-11-2021</a:t>
+              <a:t>13-12-2021</a:t>
             </a:fld>
             <a:endParaRPr lang="en-IN"/>
           </a:p>
@@ -23914,7 +24489,7 @@
               <a:pPr>
                 <a:defRPr/>
               </a:pPr>
-              <a:t>26-11-2021</a:t>
+              <a:t>13-12-2021</a:t>
             </a:fld>
             <a:endParaRPr lang="en-IN"/>
           </a:p>
@@ -25443,7 +26018,7 @@
               <a:pPr>
                 <a:defRPr/>
               </a:pPr>
-              <a:t>11/26/2021</a:t>
+              <a:t>12/13/2021</a:t>
             </a:fld>
             <a:endParaRPr lang="en-US"/>
           </a:p>
@@ -26232,7 +26807,7 @@
               <a:pPr>
                 <a:defRPr/>
               </a:pPr>
-              <a:t>11/26/2021</a:t>
+              <a:t>12/13/2021</a:t>
             </a:fld>
             <a:endParaRPr lang="en-US"/>
           </a:p>
@@ -27021,7 +27596,7 @@
               <a:pPr>
                 <a:defRPr/>
               </a:pPr>
-              <a:t>11/26/2021</a:t>
+              <a:t>12/13/2021</a:t>
             </a:fld>
             <a:endParaRPr lang="en-US"/>
           </a:p>
@@ -27654,7 +28229,7 @@
               <a:pPr>
                 <a:defRPr/>
               </a:pPr>
-              <a:t>26-11-2021</a:t>
+              <a:t>13-12-2021</a:t>
             </a:fld>
             <a:endParaRPr lang="en-IN"/>
           </a:p>
@@ -28806,10 +29381,10 @@
       </p:sp>
       <p:pic>
         <p:nvPicPr>
-          <p:cNvPr id="5" name="Content Placeholder 4">
+          <p:cNvPr id="8" name="Content Placeholder 7">
             <a:extLst>
               <a:ext uri="{FF2B5EF4-FFF2-40B4-BE49-F238E27FC236}">
-                <a16:creationId xmlns:a16="http://schemas.microsoft.com/office/drawing/2014/main" id="{587254B7-137E-41FC-9470-1DAD9AA6A720}"/>
+                <a16:creationId xmlns:a16="http://schemas.microsoft.com/office/drawing/2014/main" id="{D256D978-D853-4F5C-86BD-0B42A301BF66}"/>
               </a:ext>
             </a:extLst>
           </p:cNvPr>
@@ -28834,46 +29409,11 @@
         </p:blipFill>
         <p:spPr>
           <a:xfrm>
-            <a:off x="399600" y="1230868"/>
-            <a:ext cx="8208000" cy="5175036"/>
+            <a:off x="1600940" y="1600200"/>
+            <a:ext cx="5942120" cy="4525963"/>
           </a:xfrm>
         </p:spPr>
       </p:pic>
-      <p:sp>
-        <p:nvSpPr>
-          <p:cNvPr id="6" name="TextBox 5">
-            <a:extLst>
-              <a:ext uri="{FF2B5EF4-FFF2-40B4-BE49-F238E27FC236}">
-                <a16:creationId xmlns:a16="http://schemas.microsoft.com/office/drawing/2014/main" id="{DD060293-50CD-4DC4-843E-32C8C898A934}"/>
-              </a:ext>
-            </a:extLst>
-          </p:cNvPr>
-          <p:cNvSpPr txBox="1"/>
-          <p:nvPr/>
-        </p:nvSpPr>
-        <p:spPr>
-          <a:xfrm>
-            <a:off x="1131355" y="1230868"/>
-            <a:ext cx="1031051" cy="369332"/>
-          </a:xfrm>
-          <a:prstGeom prst="rect">
-            <a:avLst/>
-          </a:prstGeom>
-          <a:noFill/>
-        </p:spPr>
-        <p:txBody>
-          <a:bodyPr wrap="none" rtlCol="0">
-            <a:spAutoFit/>
-          </a:bodyPr>
-          <a:lstStyle/>
-          <a:p>
-            <a:r>
-              <a:rPr lang="en-IN" dirty="0"/>
-              <a:t>Not final</a:t>
-            </a:r>
-          </a:p>
-        </p:txBody>
-      </p:sp>
     </p:spTree>
     <p:extLst>
       <p:ext uri="{BB962C8B-B14F-4D97-AF65-F5344CB8AC3E}">
@@ -28956,10 +29496,10 @@
       </p:sp>
       <p:pic>
         <p:nvPicPr>
-          <p:cNvPr id="5" name="Content Placeholder 4">
+          <p:cNvPr id="8" name="Content Placeholder 7">
             <a:extLst>
               <a:ext uri="{FF2B5EF4-FFF2-40B4-BE49-F238E27FC236}">
-                <a16:creationId xmlns:a16="http://schemas.microsoft.com/office/drawing/2014/main" id="{EF468A79-BE6F-41BF-BC5D-FCC40F8AC90A}"/>
+                <a16:creationId xmlns:a16="http://schemas.microsoft.com/office/drawing/2014/main" id="{186FEB9B-11A8-40DF-A4C9-51B64C38E555}"/>
               </a:ext>
             </a:extLst>
           </p:cNvPr>
@@ -28984,46 +29524,11 @@
         </p:blipFill>
         <p:spPr>
           <a:xfrm>
-            <a:off x="1220400" y="1230868"/>
-            <a:ext cx="6961804" cy="5411650"/>
+            <a:off x="814482" y="1600200"/>
+            <a:ext cx="7515035" cy="4525963"/>
           </a:xfrm>
         </p:spPr>
       </p:pic>
-      <p:sp>
-        <p:nvSpPr>
-          <p:cNvPr id="6" name="TextBox 5">
-            <a:extLst>
-              <a:ext uri="{FF2B5EF4-FFF2-40B4-BE49-F238E27FC236}">
-                <a16:creationId xmlns:a16="http://schemas.microsoft.com/office/drawing/2014/main" id="{DD060293-50CD-4DC4-843E-32C8C898A934}"/>
-              </a:ext>
-            </a:extLst>
-          </p:cNvPr>
-          <p:cNvSpPr txBox="1"/>
-          <p:nvPr/>
-        </p:nvSpPr>
-        <p:spPr>
-          <a:xfrm>
-            <a:off x="1131355" y="1230868"/>
-            <a:ext cx="1031051" cy="369332"/>
-          </a:xfrm>
-          <a:prstGeom prst="rect">
-            <a:avLst/>
-          </a:prstGeom>
-          <a:noFill/>
-        </p:spPr>
-        <p:txBody>
-          <a:bodyPr wrap="none" rtlCol="0">
-            <a:spAutoFit/>
-          </a:bodyPr>
-          <a:lstStyle/>
-          <a:p>
-            <a:r>
-              <a:rPr lang="en-IN" dirty="0"/>
-              <a:t>Not final</a:t>
-            </a:r>
-          </a:p>
-        </p:txBody>
-      </p:sp>
     </p:spTree>
     <p:extLst>
       <p:ext uri="{BB962C8B-B14F-4D97-AF65-F5344CB8AC3E}">
@@ -29094,7 +29599,7 @@
                 <a:ea typeface="+mn-ea"/>
                 <a:cs typeface="Arial" panose="020B0604020202020204" pitchFamily="34" charset="0"/>
               </a:rPr>
-              <a:t>System Architecture / ER Diagram</a:t>
+              <a:t>System Architecture / Flow Chart / 5</a:t>
             </a:r>
             <a:endParaRPr lang="en-US" dirty="0">
               <a:effectLst/>
@@ -29106,10 +29611,10 @@
       </p:sp>
       <p:pic>
         <p:nvPicPr>
-          <p:cNvPr id="5" name="Content Placeholder 4">
+          <p:cNvPr id="6" name="Content Placeholder 5">
             <a:extLst>
               <a:ext uri="{FF2B5EF4-FFF2-40B4-BE49-F238E27FC236}">
-                <a16:creationId xmlns:a16="http://schemas.microsoft.com/office/drawing/2014/main" id="{3C8BF853-6A3F-4C2F-A19B-EC764891F3F2}"/>
+                <a16:creationId xmlns:a16="http://schemas.microsoft.com/office/drawing/2014/main" id="{5BF79EF0-3F46-4340-9E19-19D727CE31EB}"/>
               </a:ext>
             </a:extLst>
           </p:cNvPr>
@@ -29134,50 +29639,15 @@
         </p:blipFill>
         <p:spPr>
           <a:xfrm>
-            <a:off x="-1" y="1819140"/>
-            <a:ext cx="9161611" cy="4551060"/>
+            <a:off x="1473188" y="1600200"/>
+            <a:ext cx="6197624" cy="4525963"/>
           </a:xfrm>
         </p:spPr>
       </p:pic>
-      <p:sp>
-        <p:nvSpPr>
-          <p:cNvPr id="6" name="TextBox 5">
-            <a:extLst>
-              <a:ext uri="{FF2B5EF4-FFF2-40B4-BE49-F238E27FC236}">
-                <a16:creationId xmlns:a16="http://schemas.microsoft.com/office/drawing/2014/main" id="{777D1E46-2DFB-47AB-BC85-7F9A16D35909}"/>
-              </a:ext>
-            </a:extLst>
-          </p:cNvPr>
-          <p:cNvSpPr txBox="1"/>
-          <p:nvPr/>
-        </p:nvSpPr>
-        <p:spPr>
-          <a:xfrm>
-            <a:off x="1134367" y="1276604"/>
-            <a:ext cx="1031051" cy="369332"/>
-          </a:xfrm>
-          <a:prstGeom prst="rect">
-            <a:avLst/>
-          </a:prstGeom>
-          <a:noFill/>
-        </p:spPr>
-        <p:txBody>
-          <a:bodyPr wrap="none" rtlCol="0">
-            <a:spAutoFit/>
-          </a:bodyPr>
-          <a:lstStyle/>
-          <a:p>
-            <a:r>
-              <a:rPr lang="en-IN" dirty="0"/>
-              <a:t>Not final</a:t>
-            </a:r>
-          </a:p>
-        </p:txBody>
-      </p:sp>
     </p:spTree>
     <p:extLst>
       <p:ext uri="{BB962C8B-B14F-4D97-AF65-F5344CB8AC3E}">
-        <p14:creationId xmlns:p14="http://schemas.microsoft.com/office/powerpoint/2010/main" val="323444767"/>
+        <p14:creationId xmlns:p14="http://schemas.microsoft.com/office/powerpoint/2010/main" val="3048429160"/>
       </p:ext>
     </p:extLst>
   </p:cSld>
@@ -29206,6 +29676,248 @@
       </p:grpSpPr>
       <p:sp>
         <p:nvSpPr>
+          <p:cNvPr id="2" name="Title 1">
+            <a:extLst>
+              <a:ext uri="{FF2B5EF4-FFF2-40B4-BE49-F238E27FC236}">
+                <a16:creationId xmlns:a16="http://schemas.microsoft.com/office/drawing/2014/main" id="{D6F0B795-1090-4DA2-AF3C-9A01991F8448}"/>
+              </a:ext>
+            </a:extLst>
+          </p:cNvPr>
+          <p:cNvSpPr>
+            <a:spLocks noGrp="1"/>
+          </p:cNvSpPr>
+          <p:nvPr>
+            <p:ph type="title" idx="4294967295"/>
+          </p:nvPr>
+        </p:nvSpPr>
+        <p:spPr>
+          <a:xfrm>
+            <a:off x="1152000" y="145801"/>
+            <a:ext cx="7797600" cy="957599"/>
+          </a:xfrm>
+          <a:prstGeom prst="rect">
+            <a:avLst/>
+          </a:prstGeom>
+        </p:spPr>
+        <p:txBody>
+          <a:bodyPr vert="horz" anchor="ctr"/>
+          <a:lstStyle/>
+          <a:p>
+            <a:pPr rtl="0" eaLnBrk="0" fontAlgn="base" hangingPunct="0"/>
+            <a:r>
+              <a:rPr lang="en-IN" sz="3200" b="1" kern="1200" dirty="0">
+                <a:solidFill>
+                  <a:srgbClr val="000000"/>
+                </a:solidFill>
+                <a:effectLst/>
+                <a:latin typeface="Arial" panose="020B0604020202020204" pitchFamily="34" charset="0"/>
+                <a:ea typeface="+mn-ea"/>
+                <a:cs typeface="Arial" panose="020B0604020202020204" pitchFamily="34" charset="0"/>
+              </a:rPr>
+              <a:t>System Architecture / Flow Chart </a:t>
+            </a:r>
+            <a:r>
+              <a:rPr lang="en-IN" sz="3200" b="1" kern="1200">
+                <a:solidFill>
+                  <a:srgbClr val="000000"/>
+                </a:solidFill>
+                <a:effectLst/>
+                <a:latin typeface="Arial" panose="020B0604020202020204" pitchFamily="34" charset="0"/>
+                <a:ea typeface="+mn-ea"/>
+                <a:cs typeface="Arial" panose="020B0604020202020204" pitchFamily="34" charset="0"/>
+              </a:rPr>
+              <a:t>/ 6</a:t>
+            </a:r>
+            <a:endParaRPr lang="en-US" dirty="0">
+              <a:effectLst/>
+              <a:latin typeface="Arial" panose="020B0604020202020204" pitchFamily="34" charset="0"/>
+              <a:cs typeface="Arial" panose="020B0604020202020204" pitchFamily="34" charset="0"/>
+            </a:endParaRPr>
+          </a:p>
+        </p:txBody>
+      </p:sp>
+      <p:pic>
+        <p:nvPicPr>
+          <p:cNvPr id="7" name="Content Placeholder 6">
+            <a:extLst>
+              <a:ext uri="{FF2B5EF4-FFF2-40B4-BE49-F238E27FC236}">
+                <a16:creationId xmlns:a16="http://schemas.microsoft.com/office/drawing/2014/main" id="{4E661B3B-3262-4017-955A-186D2F326F02}"/>
+              </a:ext>
+            </a:extLst>
+          </p:cNvPr>
+          <p:cNvPicPr>
+            <a:picLocks noGrp="1" noChangeAspect="1"/>
+          </p:cNvPicPr>
+          <p:nvPr>
+            <p:ph idx="1"/>
+          </p:nvPr>
+        </p:nvPicPr>
+        <p:blipFill>
+          <a:blip r:embed="rId2">
+            <a:extLst>
+              <a:ext uri="{28A0092B-C50C-407E-A947-70E740481C1C}">
+                <a14:useLocalDpi xmlns:a14="http://schemas.microsoft.com/office/drawing/2010/main" val="0"/>
+              </a:ext>
+            </a:extLst>
+          </a:blip>
+          <a:stretch>
+            <a:fillRect/>
+          </a:stretch>
+        </p:blipFill>
+        <p:spPr>
+          <a:xfrm>
+            <a:off x="1036625" y="1600200"/>
+            <a:ext cx="7070749" cy="4525963"/>
+          </a:xfrm>
+        </p:spPr>
+      </p:pic>
+    </p:spTree>
+    <p:extLst>
+      <p:ext uri="{BB962C8B-B14F-4D97-AF65-F5344CB8AC3E}">
+        <p14:creationId xmlns:p14="http://schemas.microsoft.com/office/powerpoint/2010/main" val="3396545155"/>
+      </p:ext>
+    </p:extLst>
+  </p:cSld>
+  <p:clrMapOvr>
+    <a:masterClrMapping/>
+  </p:clrMapOvr>
+</p:sld>
+</file>
+
+<file path=ppt/slides/slide14.xml><?xml version="1.0" encoding="utf-8"?>
+<p:sld xmlns:a="http://schemas.openxmlformats.org/drawingml/2006/main" xmlns:r="http://schemas.openxmlformats.org/officeDocument/2006/relationships" xmlns:p="http://schemas.openxmlformats.org/presentationml/2006/main">
+  <p:cSld>
+    <p:spTree>
+      <p:nvGrpSpPr>
+        <p:cNvPr id="1" name=""/>
+        <p:cNvGrpSpPr/>
+        <p:nvPr/>
+      </p:nvGrpSpPr>
+      <p:grpSpPr>
+        <a:xfrm>
+          <a:off x="0" y="0"/>
+          <a:ext cx="0" cy="0"/>
+          <a:chOff x="0" y="0"/>
+          <a:chExt cx="0" cy="0"/>
+        </a:xfrm>
+      </p:grpSpPr>
+      <p:sp>
+        <p:nvSpPr>
+          <p:cNvPr id="2" name="Title 1">
+            <a:extLst>
+              <a:ext uri="{FF2B5EF4-FFF2-40B4-BE49-F238E27FC236}">
+                <a16:creationId xmlns:a16="http://schemas.microsoft.com/office/drawing/2014/main" id="{D6F0B795-1090-4DA2-AF3C-9A01991F8448}"/>
+              </a:ext>
+            </a:extLst>
+          </p:cNvPr>
+          <p:cNvSpPr>
+            <a:spLocks noGrp="1"/>
+          </p:cNvSpPr>
+          <p:nvPr>
+            <p:ph type="title" idx="4294967295"/>
+          </p:nvPr>
+        </p:nvSpPr>
+        <p:spPr>
+          <a:xfrm>
+            <a:off x="1152000" y="145801"/>
+            <a:ext cx="7797600" cy="957599"/>
+          </a:xfrm>
+          <a:prstGeom prst="rect">
+            <a:avLst/>
+          </a:prstGeom>
+        </p:spPr>
+        <p:txBody>
+          <a:bodyPr vert="horz" anchor="ctr"/>
+          <a:lstStyle/>
+          <a:p>
+            <a:pPr rtl="0" eaLnBrk="0" fontAlgn="base" hangingPunct="0"/>
+            <a:r>
+              <a:rPr lang="en-IN" sz="3200" b="1" kern="1200" dirty="0">
+                <a:solidFill>
+                  <a:srgbClr val="000000"/>
+                </a:solidFill>
+                <a:effectLst/>
+                <a:latin typeface="Arial" panose="020B0604020202020204" pitchFamily="34" charset="0"/>
+                <a:ea typeface="+mn-ea"/>
+                <a:cs typeface="Arial" panose="020B0604020202020204" pitchFamily="34" charset="0"/>
+              </a:rPr>
+              <a:t>System Architecture / ER Diagram</a:t>
+            </a:r>
+            <a:endParaRPr lang="en-US" dirty="0">
+              <a:effectLst/>
+              <a:latin typeface="Arial" panose="020B0604020202020204" pitchFamily="34" charset="0"/>
+              <a:cs typeface="Arial" panose="020B0604020202020204" pitchFamily="34" charset="0"/>
+            </a:endParaRPr>
+          </a:p>
+        </p:txBody>
+      </p:sp>
+      <p:pic>
+        <p:nvPicPr>
+          <p:cNvPr id="14" name="Content Placeholder 13">
+            <a:extLst>
+              <a:ext uri="{FF2B5EF4-FFF2-40B4-BE49-F238E27FC236}">
+                <a16:creationId xmlns:a16="http://schemas.microsoft.com/office/drawing/2014/main" id="{78F82DF7-1D84-4507-8420-AC8D369173DE}"/>
+              </a:ext>
+            </a:extLst>
+          </p:cNvPr>
+          <p:cNvPicPr>
+            <a:picLocks noGrp="1" noChangeAspect="1"/>
+          </p:cNvPicPr>
+          <p:nvPr>
+            <p:ph idx="1"/>
+          </p:nvPr>
+        </p:nvPicPr>
+        <p:blipFill>
+          <a:blip r:embed="rId2">
+            <a:extLst>
+              <a:ext uri="{28A0092B-C50C-407E-A947-70E740481C1C}">
+                <a14:useLocalDpi xmlns:a14="http://schemas.microsoft.com/office/drawing/2010/main" val="0"/>
+              </a:ext>
+            </a:extLst>
+          </a:blip>
+          <a:stretch>
+            <a:fillRect/>
+          </a:stretch>
+        </p:blipFill>
+        <p:spPr>
+          <a:xfrm>
+            <a:off x="1083600" y="1284825"/>
+            <a:ext cx="7306198" cy="5415950"/>
+          </a:xfrm>
+        </p:spPr>
+      </p:pic>
+    </p:spTree>
+    <p:extLst>
+      <p:ext uri="{BB962C8B-B14F-4D97-AF65-F5344CB8AC3E}">
+        <p14:creationId xmlns:p14="http://schemas.microsoft.com/office/powerpoint/2010/main" val="323444767"/>
+      </p:ext>
+    </p:extLst>
+  </p:cSld>
+  <p:clrMapOvr>
+    <a:masterClrMapping/>
+  </p:clrMapOvr>
+</p:sld>
+</file>
+
+<file path=ppt/slides/slide15.xml><?xml version="1.0" encoding="utf-8"?>
+<p:sld xmlns:a="http://schemas.openxmlformats.org/drawingml/2006/main" xmlns:r="http://schemas.openxmlformats.org/officeDocument/2006/relationships" xmlns:p="http://schemas.openxmlformats.org/presentationml/2006/main">
+  <p:cSld>
+    <p:spTree>
+      <p:nvGrpSpPr>
+        <p:cNvPr id="1" name=""/>
+        <p:cNvGrpSpPr/>
+        <p:nvPr/>
+      </p:nvGrpSpPr>
+      <p:grpSpPr>
+        <a:xfrm>
+          <a:off x="0" y="0"/>
+          <a:ext cx="0" cy="0"/>
+          <a:chOff x="0" y="0"/>
+          <a:chExt cx="0" cy="0"/>
+        </a:xfrm>
+      </p:grpSpPr>
+      <p:sp>
+        <p:nvSpPr>
           <p:cNvPr id="29698" name="Title 1">
             <a:extLst>
               <a:ext uri="{FF2B5EF4-FFF2-40B4-BE49-F238E27FC236}">
@@ -29277,7 +29989,7 @@
           <p:nvPr>
             <p:extLst>
               <p:ext uri="{D42A27DB-BD31-4B8C-83A1-F6EECF244321}">
-                <p14:modId xmlns:p14="http://schemas.microsoft.com/office/powerpoint/2010/main" val="2401691941"/>
+                <p14:modId xmlns:p14="http://schemas.microsoft.com/office/powerpoint/2010/main" val="3575717731"/>
               </p:ext>
             </p:extLst>
           </p:nvPr>
@@ -29457,7 +30169,7 @@
 </p:sld>
 </file>
 
-<file path=ppt/slides/slide14.xml><?xml version="1.0" encoding="utf-8"?>
+<file path=ppt/slides/slide16.xml><?xml version="1.0" encoding="utf-8"?>
 <p:sld xmlns:a="http://schemas.openxmlformats.org/drawingml/2006/main" xmlns:r="http://schemas.openxmlformats.org/officeDocument/2006/relationships" xmlns:p="http://schemas.openxmlformats.org/presentationml/2006/main">
   <p:cSld>
     <p:spTree>
@@ -30997,38 +31709,107 @@
             <p:ph idx="1"/>
           </p:nvPr>
         </p:nvSpPr>
-        <p:spPr/>
+        <p:spPr>
+          <a:xfrm>
+            <a:off x="457200" y="1600200"/>
+            <a:ext cx="8229600" cy="4975200"/>
+          </a:xfrm>
+        </p:spPr>
         <p:txBody>
           <a:bodyPr/>
           <a:lstStyle/>
           <a:p>
             <a:pPr algn="just"/>
             <a:r>
-              <a:rPr lang="en-US" dirty="0">
+              <a:rPr lang="en-US" sz="2400" dirty="0">
                 <a:latin typeface="Arial" panose="020B0604020202020204" pitchFamily="34" charset="0"/>
                 <a:cs typeface="Arial" panose="020B0604020202020204" pitchFamily="34" charset="0"/>
               </a:rPr>
-              <a:t>Managing a tournament can be a very hard task so this software makes it simpler and faster</a:t>
-            </a:r>
-          </a:p>
-          <a:p>
-            <a:pPr algn="just"/>
-            <a:r>
-              <a:rPr lang="en-US" dirty="0">
+              <a:t>Managing a tournament can be a very hard task, you need to:</a:t>
+            </a:r>
+          </a:p>
+          <a:p>
+            <a:pPr lvl="1" algn="just"/>
+            <a:r>
+              <a:rPr lang="en-US" sz="2400" dirty="0">
                 <a:latin typeface="Arial" panose="020B0604020202020204" pitchFamily="34" charset="0"/>
                 <a:cs typeface="Arial" panose="020B0604020202020204" pitchFamily="34" charset="0"/>
               </a:rPr>
-              <a:t>Avoid manual labor by automating the process</a:t>
-            </a:r>
-          </a:p>
-          <a:p>
-            <a:pPr algn="just"/>
-            <a:r>
-              <a:rPr lang="en-US" dirty="0">
+              <a:t>Create committee and get volunteers</a:t>
+            </a:r>
+          </a:p>
+          <a:p>
+            <a:pPr lvl="1" algn="just"/>
+            <a:r>
+              <a:rPr lang="en-US" sz="2400" dirty="0">
                 <a:latin typeface="Arial" panose="020B0604020202020204" pitchFamily="34" charset="0"/>
                 <a:cs typeface="Arial" panose="020B0604020202020204" pitchFamily="34" charset="0"/>
               </a:rPr>
-              <a:t>Increase security by avoiding paperwork</a:t>
+              <a:t>Organize them so work is done efficiently</a:t>
+            </a:r>
+          </a:p>
+          <a:p>
+            <a:pPr lvl="1" algn="just"/>
+            <a:r>
+              <a:rPr lang="en-US" sz="2400" dirty="0">
+                <a:latin typeface="Arial" panose="020B0604020202020204" pitchFamily="34" charset="0"/>
+                <a:cs typeface="Arial" panose="020B0604020202020204" pitchFamily="34" charset="0"/>
+              </a:rPr>
+              <a:t>Plan out dates in advance and select venue</a:t>
+            </a:r>
+          </a:p>
+          <a:p>
+            <a:pPr lvl="1" algn="just"/>
+            <a:r>
+              <a:rPr lang="en-US" sz="2400" dirty="0">
+                <a:latin typeface="Arial" panose="020B0604020202020204" pitchFamily="34" charset="0"/>
+                <a:cs typeface="Arial" panose="020B0604020202020204" pitchFamily="34" charset="0"/>
+              </a:rPr>
+              <a:t>Promote the tournaments</a:t>
+            </a:r>
+          </a:p>
+          <a:p>
+            <a:pPr lvl="1" algn="just"/>
+            <a:r>
+              <a:rPr lang="en-US" sz="2400" dirty="0">
+                <a:latin typeface="Arial" panose="020B0604020202020204" pitchFamily="34" charset="0"/>
+                <a:cs typeface="Arial" panose="020B0604020202020204" pitchFamily="34" charset="0"/>
+              </a:rPr>
+              <a:t>Handle scores</a:t>
+            </a:r>
+          </a:p>
+          <a:p>
+            <a:pPr lvl="1" algn="just"/>
+            <a:r>
+              <a:rPr lang="en-US" sz="2400" dirty="0" err="1">
+                <a:latin typeface="Arial" panose="020B0604020202020204" pitchFamily="34" charset="0"/>
+                <a:cs typeface="Arial" panose="020B0604020202020204" pitchFamily="34" charset="0"/>
+              </a:rPr>
+              <a:t>etc</a:t>
+            </a:r>
+            <a:endParaRPr lang="en-US" sz="2400" dirty="0">
+              <a:latin typeface="Arial" panose="020B0604020202020204" pitchFamily="34" charset="0"/>
+              <a:cs typeface="Arial" panose="020B0604020202020204" pitchFamily="34" charset="0"/>
+            </a:endParaRPr>
+          </a:p>
+          <a:p>
+            <a:pPr algn="just"/>
+            <a:r>
+              <a:rPr lang="en-US" sz="2400" dirty="0">
+                <a:latin typeface="Arial" panose="020B0604020202020204" pitchFamily="34" charset="0"/>
+                <a:cs typeface="Arial" panose="020B0604020202020204" pitchFamily="34" charset="0"/>
+              </a:rPr>
+              <a:t>our software avoid manual labor by automating some of the process</a:t>
+            </a:r>
+          </a:p>
+          <a:p>
+            <a:pPr algn="just"/>
+            <a:r>
+              <a:rPr lang="en-US" sz="2400" dirty="0">
+                <a:latin typeface="Arial" panose="020B0604020202020204" pitchFamily="34" charset="0"/>
+                <a:cs typeface="Arial" panose="020B0604020202020204" pitchFamily="34" charset="0"/>
+              </a:rPr>
+              <a:t>Increase the security by avoiding paperwork and using login credentials</a:t>
             </a:r>
           </a:p>
         </p:txBody>
@@ -31272,14 +32053,14 @@
             <p:ph idx="1"/>
             <p:extLst>
               <p:ext uri="{D42A27DB-BD31-4B8C-83A1-F6EECF244321}">
-                <p14:modId xmlns:p14="http://schemas.microsoft.com/office/powerpoint/2010/main" val="1520746523"/>
+                <p14:modId xmlns:p14="http://schemas.microsoft.com/office/powerpoint/2010/main" val="263480419"/>
               </p:ext>
             </p:extLst>
           </p:nvPr>
         </p:nvGraphicFramePr>
         <p:xfrm>
-          <a:off x="457200" y="1600200"/>
-          <a:ext cx="8229600" cy="4525963"/>
+          <a:off x="457200" y="1240200"/>
+          <a:ext cx="8229600" cy="5335200"/>
         </p:xfrm>
         <a:graphic>
           <a:graphicData uri="http://schemas.openxmlformats.org/drawingml/2006/diagram">
@@ -31334,41 +32115,6 @@
               <a:latin typeface="Arial" panose="020B0604020202020204" pitchFamily="34" charset="0"/>
               <a:cs typeface="Arial" panose="020B0604020202020204" pitchFamily="34" charset="0"/>
             </a:endParaRPr>
-          </a:p>
-        </p:txBody>
-      </p:sp>
-      <p:sp>
-        <p:nvSpPr>
-          <p:cNvPr id="8" name="TextBox 7">
-            <a:extLst>
-              <a:ext uri="{FF2B5EF4-FFF2-40B4-BE49-F238E27FC236}">
-                <a16:creationId xmlns:a16="http://schemas.microsoft.com/office/drawing/2014/main" id="{ACC488D1-DBD4-4AB7-B69F-907822CCC198}"/>
-              </a:ext>
-            </a:extLst>
-          </p:cNvPr>
-          <p:cNvSpPr txBox="1"/>
-          <p:nvPr/>
-        </p:nvSpPr>
-        <p:spPr>
-          <a:xfrm>
-            <a:off x="1149869" y="1230868"/>
-            <a:ext cx="1031051" cy="369332"/>
-          </a:xfrm>
-          <a:prstGeom prst="rect">
-            <a:avLst/>
-          </a:prstGeom>
-          <a:noFill/>
-        </p:spPr>
-        <p:txBody>
-          <a:bodyPr wrap="none" rtlCol="0">
-            <a:spAutoFit/>
-          </a:bodyPr>
-          <a:lstStyle/>
-          <a:p>
-            <a:r>
-              <a:rPr lang="en-IN" dirty="0"/>
-              <a:t>Not final</a:t>
-            </a:r>
           </a:p>
         </p:txBody>
       </p:sp>
@@ -31449,10 +32195,10 @@
       </p:sp>
       <p:pic>
         <p:nvPicPr>
-          <p:cNvPr id="8" name="Content Placeholder 7">
+          <p:cNvPr id="7" name="Content Placeholder 6">
             <a:extLst>
               <a:ext uri="{FF2B5EF4-FFF2-40B4-BE49-F238E27FC236}">
-                <a16:creationId xmlns:a16="http://schemas.microsoft.com/office/drawing/2014/main" id="{DEF228E0-D029-45A2-B35F-53FC3EEB5683}"/>
+                <a16:creationId xmlns:a16="http://schemas.microsoft.com/office/drawing/2014/main" id="{0672A038-38EB-4557-AB40-B707DCA32911}"/>
               </a:ext>
             </a:extLst>
           </p:cNvPr>
@@ -31477,46 +32223,11 @@
         </p:blipFill>
         <p:spPr>
           <a:xfrm>
-            <a:off x="1015200" y="1230868"/>
-            <a:ext cx="7707278" cy="5412932"/>
+            <a:off x="1585153" y="1600200"/>
+            <a:ext cx="5973693" cy="4525963"/>
           </a:xfrm>
         </p:spPr>
       </p:pic>
-      <p:sp>
-        <p:nvSpPr>
-          <p:cNvPr id="6" name="TextBox 5">
-            <a:extLst>
-              <a:ext uri="{FF2B5EF4-FFF2-40B4-BE49-F238E27FC236}">
-                <a16:creationId xmlns:a16="http://schemas.microsoft.com/office/drawing/2014/main" id="{DD060293-50CD-4DC4-843E-32C8C898A934}"/>
-              </a:ext>
-            </a:extLst>
-          </p:cNvPr>
-          <p:cNvSpPr txBox="1"/>
-          <p:nvPr/>
-        </p:nvSpPr>
-        <p:spPr>
-          <a:xfrm>
-            <a:off x="1131355" y="1230868"/>
-            <a:ext cx="1031051" cy="369332"/>
-          </a:xfrm>
-          <a:prstGeom prst="rect">
-            <a:avLst/>
-          </a:prstGeom>
-          <a:noFill/>
-        </p:spPr>
-        <p:txBody>
-          <a:bodyPr wrap="none" rtlCol="0">
-            <a:spAutoFit/>
-          </a:bodyPr>
-          <a:lstStyle/>
-          <a:p>
-            <a:r>
-              <a:rPr lang="en-IN" dirty="0"/>
-              <a:t>Not final</a:t>
-            </a:r>
-          </a:p>
-        </p:txBody>
-      </p:sp>
     </p:spTree>
     <p:extLst>
       <p:ext uri="{BB962C8B-B14F-4D97-AF65-F5344CB8AC3E}">
@@ -31547,40 +32258,6 @@
           <a:chExt cx="0" cy="0"/>
         </a:xfrm>
       </p:grpSpPr>
-      <p:pic>
-        <p:nvPicPr>
-          <p:cNvPr id="5" name="Content Placeholder 4">
-            <a:extLst>
-              <a:ext uri="{FF2B5EF4-FFF2-40B4-BE49-F238E27FC236}">
-                <a16:creationId xmlns:a16="http://schemas.microsoft.com/office/drawing/2014/main" id="{09AAF872-DCD3-4DD4-B67E-C22F15CFFC0C}"/>
-              </a:ext>
-            </a:extLst>
-          </p:cNvPr>
-          <p:cNvPicPr>
-            <a:picLocks noGrp="1" noChangeAspect="1"/>
-          </p:cNvPicPr>
-          <p:nvPr>
-            <p:ph idx="1"/>
-          </p:nvPr>
-        </p:nvPicPr>
-        <p:blipFill rotWithShape="1">
-          <a:blip r:embed="rId2">
-            <a:extLst>
-              <a:ext uri="{28A0092B-C50C-407E-A947-70E740481C1C}">
-                <a14:useLocalDpi xmlns:a14="http://schemas.microsoft.com/office/drawing/2010/main" val="0"/>
-              </a:ext>
-            </a:extLst>
-          </a:blip>
-          <a:srcRect t="8830" b="15766"/>
-          <a:stretch/>
-        </p:blipFill>
-        <p:spPr>
-          <a:xfrm>
-            <a:off x="1152000" y="1230868"/>
-            <a:ext cx="7797600" cy="5447980"/>
-          </a:xfrm>
-        </p:spPr>
-      </p:pic>
       <p:sp>
         <p:nvSpPr>
           <p:cNvPr id="2" name="Title 1">
@@ -31631,41 +32308,41 @@
           </a:p>
         </p:txBody>
       </p:sp>
-      <p:sp>
-        <p:nvSpPr>
-          <p:cNvPr id="6" name="TextBox 5">
+      <p:pic>
+        <p:nvPicPr>
+          <p:cNvPr id="8" name="Content Placeholder 7">
             <a:extLst>
               <a:ext uri="{FF2B5EF4-FFF2-40B4-BE49-F238E27FC236}">
-                <a16:creationId xmlns:a16="http://schemas.microsoft.com/office/drawing/2014/main" id="{DD060293-50CD-4DC4-843E-32C8C898A934}"/>
+                <a16:creationId xmlns:a16="http://schemas.microsoft.com/office/drawing/2014/main" id="{CC7984D2-03B2-4688-806C-143A89191727}"/>
               </a:ext>
             </a:extLst>
           </p:cNvPr>
-          <p:cNvSpPr txBox="1"/>
-          <p:nvPr/>
-        </p:nvSpPr>
+          <p:cNvPicPr>
+            <a:picLocks noGrp="1" noChangeAspect="1"/>
+          </p:cNvPicPr>
+          <p:nvPr>
+            <p:ph idx="1"/>
+          </p:nvPr>
+        </p:nvPicPr>
+        <p:blipFill>
+          <a:blip r:embed="rId2">
+            <a:extLst>
+              <a:ext uri="{28A0092B-C50C-407E-A947-70E740481C1C}">
+                <a14:useLocalDpi xmlns:a14="http://schemas.microsoft.com/office/drawing/2010/main" val="0"/>
+              </a:ext>
+            </a:extLst>
+          </a:blip>
+          <a:stretch>
+            <a:fillRect/>
+          </a:stretch>
+        </p:blipFill>
         <p:spPr>
           <a:xfrm>
-            <a:off x="1131355" y="1230868"/>
-            <a:ext cx="1031051" cy="369332"/>
+            <a:off x="1462904" y="1600200"/>
+            <a:ext cx="6218192" cy="4525963"/>
           </a:xfrm>
-          <a:prstGeom prst="rect">
-            <a:avLst/>
-          </a:prstGeom>
-          <a:noFill/>
         </p:spPr>
-        <p:txBody>
-          <a:bodyPr wrap="none" rtlCol="0">
-            <a:spAutoFit/>
-          </a:bodyPr>
-          <a:lstStyle/>
-          <a:p>
-            <a:r>
-              <a:rPr lang="en-IN" dirty="0"/>
-              <a:t>Not final</a:t>
-            </a:r>
-          </a:p>
-        </p:txBody>
-      </p:sp>
+      </p:pic>
     </p:spTree>
     <p:extLst>
       <p:ext uri="{BB962C8B-B14F-4D97-AF65-F5344CB8AC3E}">

--- a/G3_36,39,28,09.pptx
+++ b/G3_36,39,28,09.pptx
@@ -9699,7 +9699,7 @@
               <a:pPr>
                 <a:defRPr/>
               </a:pPr>
-              <a:t>12/13/2021</a:t>
+              <a:t>12/14/2021</a:t>
             </a:fld>
             <a:endParaRPr lang="en-US"/>
           </a:p>
@@ -11859,7 +11859,7 @@
               <a:pPr>
                 <a:defRPr/>
               </a:pPr>
-              <a:t>12/13/2021</a:t>
+              <a:t>12/14/2021</a:t>
             </a:fld>
             <a:endParaRPr lang="en-US"/>
           </a:p>
@@ -12297,7 +12297,7 @@
               <a:pPr>
                 <a:defRPr/>
               </a:pPr>
-              <a:t>12/13/2021</a:t>
+              <a:t>12/14/2021</a:t>
             </a:fld>
             <a:endParaRPr lang="en-US"/>
           </a:p>
@@ -12587,7 +12587,7 @@
               <a:pPr>
                 <a:defRPr/>
               </a:pPr>
-              <a:t>12/13/2021</a:t>
+              <a:t>12/14/2021</a:t>
             </a:fld>
             <a:endParaRPr lang="en-US"/>
           </a:p>
@@ -12861,7 +12861,7 @@
               <a:pPr>
                 <a:defRPr/>
               </a:pPr>
-              <a:t>12/13/2021</a:t>
+              <a:t>12/14/2021</a:t>
             </a:fld>
             <a:endParaRPr lang="en-US"/>
           </a:p>
@@ -13270,7 +13270,7 @@
               <a:pPr>
                 <a:defRPr/>
               </a:pPr>
-              <a:t>12/13/2021</a:t>
+              <a:t>12/14/2021</a:t>
             </a:fld>
             <a:endParaRPr lang="en-US"/>
           </a:p>
@@ -13432,7 +13432,7 @@
               <a:pPr>
                 <a:defRPr/>
               </a:pPr>
-              <a:t>12/13/2021</a:t>
+              <a:t>12/14/2021</a:t>
             </a:fld>
             <a:endParaRPr lang="en-US"/>
           </a:p>
@@ -13572,7 +13572,7 @@
               <a:pPr>
                 <a:defRPr/>
               </a:pPr>
-              <a:t>12/13/2021</a:t>
+              <a:t>12/14/2021</a:t>
             </a:fld>
             <a:endParaRPr lang="en-US"/>
           </a:p>
@@ -13892,7 +13892,7 @@
               <a:pPr>
                 <a:defRPr/>
               </a:pPr>
-              <a:t>12/13/2021</a:t>
+              <a:t>12/14/2021</a:t>
             </a:fld>
             <a:endParaRPr lang="en-US"/>
           </a:p>
@@ -14192,7 +14192,7 @@
               <a:pPr>
                 <a:defRPr/>
               </a:pPr>
-              <a:t>12/13/2021</a:t>
+              <a:t>12/14/2021</a:t>
             </a:fld>
             <a:endParaRPr lang="en-US"/>
           </a:p>
@@ -14405,7 +14405,7 @@
               <a:pPr>
                 <a:defRPr/>
               </a:pPr>
-              <a:t>12/13/2021</a:t>
+              <a:t>12/14/2021</a:t>
             </a:fld>
             <a:endParaRPr lang="en-US"/>
           </a:p>
@@ -14628,7 +14628,7 @@
               <a:pPr>
                 <a:defRPr/>
               </a:pPr>
-              <a:t>12/13/2021</a:t>
+              <a:t>12/14/2021</a:t>
             </a:fld>
             <a:endParaRPr lang="en-US"/>
           </a:p>
@@ -15185,7 +15185,7 @@
               <a:pPr>
                 <a:defRPr/>
               </a:pPr>
-              <a:t>12/13/2021</a:t>
+              <a:t>12/14/2021</a:t>
             </a:fld>
             <a:endParaRPr lang="en-US"/>
           </a:p>
@@ -15398,7 +15398,7 @@
               <a:pPr>
                 <a:defRPr/>
               </a:pPr>
-              <a:t>12/13/2021</a:t>
+              <a:t>12/14/2021</a:t>
             </a:fld>
             <a:endParaRPr lang="en-US"/>
           </a:p>
@@ -15688,7 +15688,7 @@
               <a:pPr>
                 <a:defRPr/>
               </a:pPr>
-              <a:t>12/13/2021</a:t>
+              <a:t>12/14/2021</a:t>
             </a:fld>
             <a:endParaRPr lang="en-US"/>
           </a:p>
@@ -15962,7 +15962,7 @@
               <a:pPr>
                 <a:defRPr/>
               </a:pPr>
-              <a:t>12/13/2021</a:t>
+              <a:t>12/14/2021</a:t>
             </a:fld>
             <a:endParaRPr lang="en-US"/>
           </a:p>
@@ -16371,7 +16371,7 @@
               <a:pPr>
                 <a:defRPr/>
               </a:pPr>
-              <a:t>12/13/2021</a:t>
+              <a:t>12/14/2021</a:t>
             </a:fld>
             <a:endParaRPr lang="en-US"/>
           </a:p>
@@ -16533,7 +16533,7 @@
               <a:pPr>
                 <a:defRPr/>
               </a:pPr>
-              <a:t>12/13/2021</a:t>
+              <a:t>12/14/2021</a:t>
             </a:fld>
             <a:endParaRPr lang="en-US"/>
           </a:p>
@@ -16673,7 +16673,7 @@
               <a:pPr>
                 <a:defRPr/>
               </a:pPr>
-              <a:t>12/13/2021</a:t>
+              <a:t>12/14/2021</a:t>
             </a:fld>
             <a:endParaRPr lang="en-US"/>
           </a:p>
@@ -16993,7 +16993,7 @@
               <a:pPr>
                 <a:defRPr/>
               </a:pPr>
-              <a:t>12/13/2021</a:t>
+              <a:t>12/14/2021</a:t>
             </a:fld>
             <a:endParaRPr lang="en-US"/>
           </a:p>
@@ -17293,7 +17293,7 @@
               <a:pPr>
                 <a:defRPr/>
               </a:pPr>
-              <a:t>12/13/2021</a:t>
+              <a:t>12/14/2021</a:t>
             </a:fld>
             <a:endParaRPr lang="en-US"/>
           </a:p>
@@ -17506,7 +17506,7 @@
               <a:pPr>
                 <a:defRPr/>
               </a:pPr>
-              <a:t>12/13/2021</a:t>
+              <a:t>12/14/2021</a:t>
             </a:fld>
             <a:endParaRPr lang="en-US"/>
           </a:p>
@@ -18101,7 +18101,7 @@
               <a:pPr>
                 <a:defRPr/>
               </a:pPr>
-              <a:t>12/13/2021</a:t>
+              <a:t>12/14/2021</a:t>
             </a:fld>
             <a:endParaRPr lang="en-US"/>
           </a:p>
@@ -18336,7 +18336,7 @@
               <a:pPr>
                 <a:defRPr/>
               </a:pPr>
-              <a:t>12/13/2021</a:t>
+              <a:t>12/14/2021</a:t>
             </a:fld>
             <a:endParaRPr lang="en-US"/>
           </a:p>
@@ -18549,7 +18549,7 @@
               <a:pPr>
                 <a:defRPr/>
               </a:pPr>
-              <a:t>12/13/2021</a:t>
+              <a:t>12/14/2021</a:t>
             </a:fld>
             <a:endParaRPr lang="en-US"/>
           </a:p>
@@ -18839,7 +18839,7 @@
               <a:pPr>
                 <a:defRPr/>
               </a:pPr>
-              <a:t>12/13/2021</a:t>
+              <a:t>12/14/2021</a:t>
             </a:fld>
             <a:endParaRPr lang="en-US"/>
           </a:p>
@@ -19113,7 +19113,7 @@
               <a:pPr>
                 <a:defRPr/>
               </a:pPr>
-              <a:t>12/13/2021</a:t>
+              <a:t>12/14/2021</a:t>
             </a:fld>
             <a:endParaRPr lang="en-US"/>
           </a:p>
@@ -19522,7 +19522,7 @@
               <a:pPr>
                 <a:defRPr/>
               </a:pPr>
-              <a:t>12/13/2021</a:t>
+              <a:t>12/14/2021</a:t>
             </a:fld>
             <a:endParaRPr lang="en-US"/>
           </a:p>
@@ -19684,7 +19684,7 @@
               <a:pPr>
                 <a:defRPr/>
               </a:pPr>
-              <a:t>12/13/2021</a:t>
+              <a:t>12/14/2021</a:t>
             </a:fld>
             <a:endParaRPr lang="en-US"/>
           </a:p>
@@ -19824,7 +19824,7 @@
               <a:pPr>
                 <a:defRPr/>
               </a:pPr>
-              <a:t>12/13/2021</a:t>
+              <a:t>12/14/2021</a:t>
             </a:fld>
             <a:endParaRPr lang="en-US"/>
           </a:p>
@@ -20144,7 +20144,7 @@
               <a:pPr>
                 <a:defRPr/>
               </a:pPr>
-              <a:t>12/13/2021</a:t>
+              <a:t>12/14/2021</a:t>
             </a:fld>
             <a:endParaRPr lang="en-US"/>
           </a:p>
@@ -20444,7 +20444,7 @@
               <a:pPr>
                 <a:defRPr/>
               </a:pPr>
-              <a:t>12/13/2021</a:t>
+              <a:t>12/14/2021</a:t>
             </a:fld>
             <a:endParaRPr lang="en-US"/>
           </a:p>
@@ -21169,7 +21169,7 @@
               <a:pPr>
                 <a:defRPr/>
               </a:pPr>
-              <a:t>12/13/2021</a:t>
+              <a:t>12/14/2021</a:t>
             </a:fld>
             <a:endParaRPr lang="en-US"/>
           </a:p>
@@ -21392,7 +21392,7 @@
               <a:pPr>
                 <a:defRPr/>
               </a:pPr>
-              <a:t>12/13/2021</a:t>
+              <a:t>12/14/2021</a:t>
             </a:fld>
             <a:endParaRPr lang="en-US"/>
           </a:p>
@@ -21635,7 +21635,7 @@
               <a:pPr>
                 <a:defRPr/>
               </a:pPr>
-              <a:t>13-12-2021</a:t>
+              <a:t>14-12-2021</a:t>
             </a:fld>
             <a:endParaRPr lang="en-IN"/>
           </a:p>
@@ -21866,7 +21866,7 @@
               <a:pPr>
                 <a:defRPr/>
               </a:pPr>
-              <a:t>13-12-2021</a:t>
+              <a:t>14-12-2021</a:t>
             </a:fld>
             <a:endParaRPr lang="en-IN"/>
           </a:p>
@@ -22163,7 +22163,7 @@
               <a:pPr>
                 <a:defRPr/>
               </a:pPr>
-              <a:t>13-12-2021</a:t>
+              <a:t>14-12-2021</a:t>
             </a:fld>
             <a:endParaRPr lang="en-IN"/>
           </a:p>
@@ -22454,7 +22454,7 @@
               <a:pPr>
                 <a:defRPr/>
               </a:pPr>
-              <a:t>13-12-2021</a:t>
+              <a:t>14-12-2021</a:t>
             </a:fld>
             <a:endParaRPr lang="en-IN"/>
           </a:p>
@@ -22881,7 +22881,7 @@
               <a:pPr>
                 <a:defRPr/>
               </a:pPr>
-              <a:t>13-12-2021</a:t>
+              <a:t>14-12-2021</a:t>
             </a:fld>
             <a:endParaRPr lang="en-IN"/>
           </a:p>
@@ -23052,7 +23052,7 @@
               <a:pPr>
                 <a:defRPr/>
               </a:pPr>
-              <a:t>13-12-2021</a:t>
+              <a:t>14-12-2021</a:t>
             </a:fld>
             <a:endParaRPr lang="en-IN"/>
           </a:p>
@@ -23192,7 +23192,7 @@
               <a:pPr>
                 <a:defRPr/>
               </a:pPr>
-              <a:t>13-12-2021</a:t>
+              <a:t>14-12-2021</a:t>
             </a:fld>
             <a:endParaRPr lang="en-IN"/>
           </a:p>
@@ -23523,7 +23523,7 @@
               <a:pPr>
                 <a:defRPr/>
               </a:pPr>
-              <a:t>13-12-2021</a:t>
+              <a:t>14-12-2021</a:t>
             </a:fld>
             <a:endParaRPr lang="en-IN"/>
           </a:p>
@@ -24027,7 +24027,7 @@
               <a:pPr>
                 <a:defRPr/>
               </a:pPr>
-              <a:t>13-12-2021</a:t>
+              <a:t>14-12-2021</a:t>
             </a:fld>
             <a:endParaRPr lang="en-IN"/>
           </a:p>
@@ -24258,7 +24258,7 @@
               <a:pPr>
                 <a:defRPr/>
               </a:pPr>
-              <a:t>13-12-2021</a:t>
+              <a:t>14-12-2021</a:t>
             </a:fld>
             <a:endParaRPr lang="en-IN"/>
           </a:p>
@@ -24489,7 +24489,7 @@
               <a:pPr>
                 <a:defRPr/>
               </a:pPr>
-              <a:t>13-12-2021</a:t>
+              <a:t>14-12-2021</a:t>
             </a:fld>
             <a:endParaRPr lang="en-IN"/>
           </a:p>
@@ -26018,7 +26018,7 @@
               <a:pPr>
                 <a:defRPr/>
               </a:pPr>
-              <a:t>12/13/2021</a:t>
+              <a:t>12/14/2021</a:t>
             </a:fld>
             <a:endParaRPr lang="en-US"/>
           </a:p>
@@ -26807,7 +26807,7 @@
               <a:pPr>
                 <a:defRPr/>
               </a:pPr>
-              <a:t>12/13/2021</a:t>
+              <a:t>12/14/2021</a:t>
             </a:fld>
             <a:endParaRPr lang="en-US"/>
           </a:p>
@@ -27596,7 +27596,7 @@
               <a:pPr>
                 <a:defRPr/>
               </a:pPr>
-              <a:t>12/13/2021</a:t>
+              <a:t>12/14/2021</a:t>
             </a:fld>
             <a:endParaRPr lang="en-US"/>
           </a:p>
@@ -28229,7 +28229,7 @@
               <a:pPr>
                 <a:defRPr/>
               </a:pPr>
-              <a:t>13-12-2021</a:t>
+              <a:t>14-12-2021</a:t>
             </a:fld>
             <a:endParaRPr lang="en-IN"/>
           </a:p>
@@ -29006,7 +29006,7 @@
                 <a:ea typeface="+mn-ea"/>
                 <a:cs typeface="Arial" panose="020B0604020202020204" pitchFamily="34" charset="0"/>
               </a:rPr>
-              <a:t>SPORTS </a:t>
+              <a:t>CRICKET </a:t>
             </a:r>
             <a:r>
               <a:rPr lang="en-US" sz="3200" kern="1200" dirty="0">
